--- a/Lectures/DddInPractice/Docs/Domain-Driven Design in Practice.pptx
+++ b/Lectures/DddInPractice/Docs/Domain-Driven Design in Practice.pptx
@@ -3304,8 +3304,8 @@
         </p:nvSpPr>
         <p:spPr>
           <a:xfrm>
-            <a:off x="2437787" y="1843215"/>
-            <a:ext cx="1457177" cy="414927"/>
+            <a:off x="2437051" y="1863387"/>
+            <a:ext cx="1648710" cy="414927"/>
           </a:xfrm>
           <a:prstGeom prst="rightArrow">
             <a:avLst>
@@ -3355,8 +3355,8 @@
         </p:nvSpPr>
         <p:spPr>
           <a:xfrm>
-            <a:off x="2533787" y="1922001"/>
-            <a:ext cx="1172116" cy="261610"/>
+            <a:off x="2484591" y="1940045"/>
+            <a:ext cx="1553630" cy="261610"/>
           </a:xfrm>
           <a:prstGeom prst="rect">
             <a:avLst/>
@@ -3375,7 +3375,7 @@
                   <a:schemeClr val="bg1"/>
                 </a:solidFill>
               </a:rPr>
-              <a:t>비즈니스로부터</a:t>
+              <a:t>비즈니스 로직 복잡도</a:t>
             </a:r>
             <a:endParaRPr lang="ko-KR" altLang="en-US" sz="1100" b="1">
               <a:solidFill>

--- a/Lectures/DddInPractice/Docs/Domain-Driven Design in Practice.pptx
+++ b/Lectures/DddInPractice/Docs/Domain-Driven Design in Practice.pptx
@@ -8,6 +8,7 @@
     <p:sldId id="257" r:id="rId2"/>
     <p:sldId id="256" r:id="rId3"/>
     <p:sldId id="258" r:id="rId4"/>
+    <p:sldId id="259" r:id="rId5"/>
   </p:sldIdLst>
   <p:sldSz cx="12192000" cy="6858000"/>
   <p:notesSz cx="6858000" cy="9144000"/>
@@ -245,7 +246,7 @@
           <a:p>
             <a:fld id="{B1968A38-0C6D-4B4E-8C1A-47A20DE5FB81}" type="datetimeFigureOut">
               <a:rPr lang="ko-KR" altLang="en-US" smtClean="0"/>
-              <a:t>2021-01-11</a:t>
+              <a:t>2021-01-12</a:t>
             </a:fld>
             <a:endParaRPr lang="ko-KR" altLang="en-US"/>
           </a:p>
@@ -415,7 +416,7 @@
           <a:p>
             <a:fld id="{B1968A38-0C6D-4B4E-8C1A-47A20DE5FB81}" type="datetimeFigureOut">
               <a:rPr lang="ko-KR" altLang="en-US" smtClean="0"/>
-              <a:t>2021-01-11</a:t>
+              <a:t>2021-01-12</a:t>
             </a:fld>
             <a:endParaRPr lang="ko-KR" altLang="en-US"/>
           </a:p>
@@ -595,7 +596,7 @@
           <a:p>
             <a:fld id="{B1968A38-0C6D-4B4E-8C1A-47A20DE5FB81}" type="datetimeFigureOut">
               <a:rPr lang="ko-KR" altLang="en-US" smtClean="0"/>
-              <a:t>2021-01-11</a:t>
+              <a:t>2021-01-12</a:t>
             </a:fld>
             <a:endParaRPr lang="ko-KR" altLang="en-US"/>
           </a:p>
@@ -765,7 +766,7 @@
           <a:p>
             <a:fld id="{B1968A38-0C6D-4B4E-8C1A-47A20DE5FB81}" type="datetimeFigureOut">
               <a:rPr lang="ko-KR" altLang="en-US" smtClean="0"/>
-              <a:t>2021-01-11</a:t>
+              <a:t>2021-01-12</a:t>
             </a:fld>
             <a:endParaRPr lang="ko-KR" altLang="en-US"/>
           </a:p>
@@ -1011,7 +1012,7 @@
           <a:p>
             <a:fld id="{B1968A38-0C6D-4B4E-8C1A-47A20DE5FB81}" type="datetimeFigureOut">
               <a:rPr lang="ko-KR" altLang="en-US" smtClean="0"/>
-              <a:t>2021-01-11</a:t>
+              <a:t>2021-01-12</a:t>
             </a:fld>
             <a:endParaRPr lang="ko-KR" altLang="en-US"/>
           </a:p>
@@ -1243,7 +1244,7 @@
           <a:p>
             <a:fld id="{B1968A38-0C6D-4B4E-8C1A-47A20DE5FB81}" type="datetimeFigureOut">
               <a:rPr lang="ko-KR" altLang="en-US" smtClean="0"/>
-              <a:t>2021-01-11</a:t>
+              <a:t>2021-01-12</a:t>
             </a:fld>
             <a:endParaRPr lang="ko-KR" altLang="en-US"/>
           </a:p>
@@ -1610,7 +1611,7 @@
           <a:p>
             <a:fld id="{B1968A38-0C6D-4B4E-8C1A-47A20DE5FB81}" type="datetimeFigureOut">
               <a:rPr lang="ko-KR" altLang="en-US" smtClean="0"/>
-              <a:t>2021-01-11</a:t>
+              <a:t>2021-01-12</a:t>
             </a:fld>
             <a:endParaRPr lang="ko-KR" altLang="en-US"/>
           </a:p>
@@ -1728,7 +1729,7 @@
           <a:p>
             <a:fld id="{B1968A38-0C6D-4B4E-8C1A-47A20DE5FB81}" type="datetimeFigureOut">
               <a:rPr lang="ko-KR" altLang="en-US" smtClean="0"/>
-              <a:t>2021-01-11</a:t>
+              <a:t>2021-01-12</a:t>
             </a:fld>
             <a:endParaRPr lang="ko-KR" altLang="en-US"/>
           </a:p>
@@ -1823,7 +1824,7 @@
           <a:p>
             <a:fld id="{B1968A38-0C6D-4B4E-8C1A-47A20DE5FB81}" type="datetimeFigureOut">
               <a:rPr lang="ko-KR" altLang="en-US" smtClean="0"/>
-              <a:t>2021-01-11</a:t>
+              <a:t>2021-01-12</a:t>
             </a:fld>
             <a:endParaRPr lang="ko-KR" altLang="en-US"/>
           </a:p>
@@ -2100,7 +2101,7 @@
           <a:p>
             <a:fld id="{B1968A38-0C6D-4B4E-8C1A-47A20DE5FB81}" type="datetimeFigureOut">
               <a:rPr lang="ko-KR" altLang="en-US" smtClean="0"/>
-              <a:t>2021-01-11</a:t>
+              <a:t>2021-01-12</a:t>
             </a:fld>
             <a:endParaRPr lang="ko-KR" altLang="en-US"/>
           </a:p>
@@ -2353,7 +2354,7 @@
           <a:p>
             <a:fld id="{B1968A38-0C6D-4B4E-8C1A-47A20DE5FB81}" type="datetimeFigureOut">
               <a:rPr lang="ko-KR" altLang="en-US" smtClean="0"/>
-              <a:t>2021-01-11</a:t>
+              <a:t>2021-01-12</a:t>
             </a:fld>
             <a:endParaRPr lang="ko-KR" altLang="en-US"/>
           </a:p>
@@ -2566,7 +2567,7 @@
           <a:p>
             <a:fld id="{B1968A38-0C6D-4B4E-8C1A-47A20DE5FB81}" type="datetimeFigureOut">
               <a:rPr lang="ko-KR" altLang="en-US" smtClean="0"/>
-              <a:t>2021-01-11</a:t>
+              <a:t>2021-01-12</a:t>
             </a:fld>
             <a:endParaRPr lang="ko-KR" altLang="en-US"/>
           </a:p>
@@ -5450,6 +5451,1650 @@
 </p:sld>
 </file>
 
+<file path=ppt/slides/slide4.xml><?xml version="1.0" encoding="utf-8"?>
+<p:sld xmlns:a="http://schemas.openxmlformats.org/drawingml/2006/main" xmlns:r="http://schemas.openxmlformats.org/officeDocument/2006/relationships" xmlns:p="http://schemas.openxmlformats.org/presentationml/2006/main">
+  <p:cSld>
+    <p:spTree>
+      <p:nvGrpSpPr>
+        <p:cNvPr id="1" name=""/>
+        <p:cNvGrpSpPr/>
+        <p:nvPr/>
+      </p:nvGrpSpPr>
+      <p:grpSpPr>
+        <a:xfrm>
+          <a:off x="0" y="0"/>
+          <a:ext cx="0" cy="0"/>
+          <a:chOff x="0" y="0"/>
+          <a:chExt cx="0" cy="0"/>
+        </a:xfrm>
+      </p:grpSpPr>
+      <p:pic>
+        <p:nvPicPr>
+          <p:cNvPr id="72" name="그림 71"/>
+          <p:cNvPicPr>
+            <a:picLocks noChangeAspect="1"/>
+          </p:cNvPicPr>
+          <p:nvPr/>
+        </p:nvPicPr>
+        <p:blipFill>
+          <a:blip r:embed="rId2"/>
+          <a:stretch>
+            <a:fillRect/>
+          </a:stretch>
+        </p:blipFill>
+        <p:spPr>
+          <a:xfrm>
+            <a:off x="8750187" y="5091173"/>
+            <a:ext cx="3367047" cy="1656890"/>
+          </a:xfrm>
+          <a:prstGeom prst="rect">
+            <a:avLst/>
+          </a:prstGeom>
+        </p:spPr>
+      </p:pic>
+      <p:pic>
+        <p:nvPicPr>
+          <p:cNvPr id="4" name="그림 3"/>
+          <p:cNvPicPr>
+            <a:picLocks noChangeAspect="1"/>
+          </p:cNvPicPr>
+          <p:nvPr/>
+        </p:nvPicPr>
+        <p:blipFill>
+          <a:blip r:embed="rId3"/>
+          <a:stretch>
+            <a:fillRect/>
+          </a:stretch>
+        </p:blipFill>
+        <p:spPr>
+          <a:xfrm>
+            <a:off x="2487767" y="245783"/>
+            <a:ext cx="4282310" cy="2506209"/>
+          </a:xfrm>
+          <a:prstGeom prst="rect">
+            <a:avLst/>
+          </a:prstGeom>
+        </p:spPr>
+      </p:pic>
+      <p:pic>
+        <p:nvPicPr>
+          <p:cNvPr id="5" name="그림 4"/>
+          <p:cNvPicPr>
+            <a:picLocks noChangeAspect="1"/>
+          </p:cNvPicPr>
+          <p:nvPr/>
+        </p:nvPicPr>
+        <p:blipFill>
+          <a:blip r:embed="rId4"/>
+          <a:stretch>
+            <a:fillRect/>
+          </a:stretch>
+        </p:blipFill>
+        <p:spPr>
+          <a:xfrm>
+            <a:off x="116865" y="958238"/>
+            <a:ext cx="2221890" cy="1081297"/>
+          </a:xfrm>
+          <a:prstGeom prst="rect">
+            <a:avLst/>
+          </a:prstGeom>
+        </p:spPr>
+      </p:pic>
+      <p:pic>
+        <p:nvPicPr>
+          <p:cNvPr id="6" name="그림 5"/>
+          <p:cNvPicPr>
+            <a:picLocks noChangeAspect="1"/>
+          </p:cNvPicPr>
+          <p:nvPr/>
+        </p:nvPicPr>
+        <p:blipFill>
+          <a:blip r:embed="rId5"/>
+          <a:stretch>
+            <a:fillRect/>
+          </a:stretch>
+        </p:blipFill>
+        <p:spPr>
+          <a:xfrm>
+            <a:off x="310951" y="2617095"/>
+            <a:ext cx="2998177" cy="1521149"/>
+          </a:xfrm>
+          <a:prstGeom prst="rect">
+            <a:avLst/>
+          </a:prstGeom>
+        </p:spPr>
+      </p:pic>
+      <p:pic>
+        <p:nvPicPr>
+          <p:cNvPr id="7" name="그림 6"/>
+          <p:cNvPicPr>
+            <a:picLocks noChangeAspect="1"/>
+          </p:cNvPicPr>
+          <p:nvPr/>
+        </p:nvPicPr>
+        <p:blipFill>
+          <a:blip r:embed="rId6"/>
+          <a:stretch>
+            <a:fillRect/>
+          </a:stretch>
+        </p:blipFill>
+        <p:spPr>
+          <a:xfrm>
+            <a:off x="7271237" y="245783"/>
+            <a:ext cx="3894992" cy="1595968"/>
+          </a:xfrm>
+          <a:prstGeom prst="rect">
+            <a:avLst/>
+          </a:prstGeom>
+        </p:spPr>
+      </p:pic>
+      <p:cxnSp>
+        <p:nvCxnSpPr>
+          <p:cNvPr id="9" name="직선 화살표 연결선 8"/>
+          <p:cNvCxnSpPr/>
+          <p:nvPr/>
+        </p:nvCxnSpPr>
+        <p:spPr>
+          <a:xfrm>
+            <a:off x="6128238" y="422030"/>
+            <a:ext cx="1116624" cy="1"/>
+          </a:xfrm>
+          <a:prstGeom prst="straightConnector1">
+            <a:avLst/>
+          </a:prstGeom>
+          <a:ln w="19050">
+            <a:solidFill>
+              <a:srgbClr val="C00000"/>
+            </a:solidFill>
+            <a:tailEnd type="triangle"/>
+          </a:ln>
+        </p:spPr>
+        <p:style>
+          <a:lnRef idx="1">
+            <a:schemeClr val="accent1"/>
+          </a:lnRef>
+          <a:fillRef idx="0">
+            <a:schemeClr val="accent1"/>
+          </a:fillRef>
+          <a:effectRef idx="0">
+            <a:schemeClr val="accent1"/>
+          </a:effectRef>
+          <a:fontRef idx="minor">
+            <a:schemeClr val="tx1"/>
+          </a:fontRef>
+        </p:style>
+      </p:cxnSp>
+      <p:cxnSp>
+        <p:nvCxnSpPr>
+          <p:cNvPr id="10" name="직선 화살표 연결선 9"/>
+          <p:cNvCxnSpPr/>
+          <p:nvPr/>
+        </p:nvCxnSpPr>
+        <p:spPr>
+          <a:xfrm>
+            <a:off x="6128238" y="715107"/>
+            <a:ext cx="1072662" cy="243255"/>
+          </a:xfrm>
+          <a:prstGeom prst="straightConnector1">
+            <a:avLst/>
+          </a:prstGeom>
+          <a:ln w="19050">
+            <a:solidFill>
+              <a:srgbClr val="C00000"/>
+            </a:solidFill>
+            <a:tailEnd type="triangle"/>
+          </a:ln>
+        </p:spPr>
+        <p:style>
+          <a:lnRef idx="1">
+            <a:schemeClr val="accent1"/>
+          </a:lnRef>
+          <a:fillRef idx="0">
+            <a:schemeClr val="accent1"/>
+          </a:fillRef>
+          <a:effectRef idx="0">
+            <a:schemeClr val="accent1"/>
+          </a:effectRef>
+          <a:fontRef idx="minor">
+            <a:schemeClr val="tx1"/>
+          </a:fontRef>
+        </p:style>
+      </p:cxnSp>
+      <p:pic>
+        <p:nvPicPr>
+          <p:cNvPr id="14" name="그림 13"/>
+          <p:cNvPicPr>
+            <a:picLocks noChangeAspect="1"/>
+          </p:cNvPicPr>
+          <p:nvPr/>
+        </p:nvPicPr>
+        <p:blipFill>
+          <a:blip r:embed="rId7"/>
+          <a:stretch>
+            <a:fillRect/>
+          </a:stretch>
+        </p:blipFill>
+        <p:spPr>
+          <a:xfrm>
+            <a:off x="7576130" y="2002049"/>
+            <a:ext cx="4135257" cy="1736177"/>
+          </a:xfrm>
+          <a:prstGeom prst="rect">
+            <a:avLst/>
+          </a:prstGeom>
+        </p:spPr>
+      </p:pic>
+      <p:pic>
+        <p:nvPicPr>
+          <p:cNvPr id="15" name="그림 14"/>
+          <p:cNvPicPr>
+            <a:picLocks noChangeAspect="1"/>
+          </p:cNvPicPr>
+          <p:nvPr/>
+        </p:nvPicPr>
+        <p:blipFill>
+          <a:blip r:embed="rId8"/>
+          <a:stretch>
+            <a:fillRect/>
+          </a:stretch>
+        </p:blipFill>
+        <p:spPr>
+          <a:xfrm>
+            <a:off x="6519330" y="2557197"/>
+            <a:ext cx="2081806" cy="397560"/>
+          </a:xfrm>
+          <a:prstGeom prst="rect">
+            <a:avLst/>
+          </a:prstGeom>
+        </p:spPr>
+      </p:pic>
+      <p:cxnSp>
+        <p:nvCxnSpPr>
+          <p:cNvPr id="17" name="직선 연결선 16"/>
+          <p:cNvCxnSpPr/>
+          <p:nvPr/>
+        </p:nvCxnSpPr>
+        <p:spPr>
+          <a:xfrm>
+            <a:off x="7069659" y="2785210"/>
+            <a:ext cx="409392" cy="0"/>
+          </a:xfrm>
+          <a:prstGeom prst="line">
+            <a:avLst/>
+          </a:prstGeom>
+          <a:ln w="38100">
+            <a:solidFill>
+              <a:srgbClr val="0070C0"/>
+            </a:solidFill>
+          </a:ln>
+        </p:spPr>
+        <p:style>
+          <a:lnRef idx="1">
+            <a:schemeClr val="accent1"/>
+          </a:lnRef>
+          <a:fillRef idx="0">
+            <a:schemeClr val="accent1"/>
+          </a:fillRef>
+          <a:effectRef idx="0">
+            <a:schemeClr val="accent1"/>
+          </a:effectRef>
+          <a:fontRef idx="minor">
+            <a:schemeClr val="tx1"/>
+          </a:fontRef>
+        </p:style>
+      </p:cxnSp>
+      <p:cxnSp>
+        <p:nvCxnSpPr>
+          <p:cNvPr id="19" name="직선 연결선 18"/>
+          <p:cNvCxnSpPr/>
+          <p:nvPr/>
+        </p:nvCxnSpPr>
+        <p:spPr>
+          <a:xfrm>
+            <a:off x="8055463" y="2785210"/>
+            <a:ext cx="409392" cy="0"/>
+          </a:xfrm>
+          <a:prstGeom prst="line">
+            <a:avLst/>
+          </a:prstGeom>
+          <a:ln w="38100">
+            <a:solidFill>
+              <a:srgbClr val="0070C0"/>
+            </a:solidFill>
+          </a:ln>
+        </p:spPr>
+        <p:style>
+          <a:lnRef idx="1">
+            <a:schemeClr val="accent1"/>
+          </a:lnRef>
+          <a:fillRef idx="0">
+            <a:schemeClr val="accent1"/>
+          </a:fillRef>
+          <a:effectRef idx="0">
+            <a:schemeClr val="accent1"/>
+          </a:effectRef>
+          <a:fontRef idx="minor">
+            <a:schemeClr val="tx1"/>
+          </a:fontRef>
+        </p:style>
+      </p:cxnSp>
+      <p:sp>
+        <p:nvSpPr>
+          <p:cNvPr id="20" name="타원 19"/>
+          <p:cNvSpPr/>
+          <p:nvPr/>
+        </p:nvSpPr>
+        <p:spPr>
+          <a:xfrm>
+            <a:off x="8385023" y="1943096"/>
+            <a:ext cx="545124" cy="547161"/>
+          </a:xfrm>
+          <a:prstGeom prst="ellipse">
+            <a:avLst/>
+          </a:prstGeom>
+          <a:noFill/>
+          <a:ln w="19050">
+            <a:prstDash val="sysDot"/>
+          </a:ln>
+        </p:spPr>
+        <p:style>
+          <a:lnRef idx="2">
+            <a:schemeClr val="accent1">
+              <a:shade val="50000"/>
+            </a:schemeClr>
+          </a:lnRef>
+          <a:fillRef idx="1">
+            <a:schemeClr val="accent1"/>
+          </a:fillRef>
+          <a:effectRef idx="0">
+            <a:schemeClr val="accent1"/>
+          </a:effectRef>
+          <a:fontRef idx="minor">
+            <a:schemeClr val="lt1"/>
+          </a:fontRef>
+        </p:style>
+        <p:txBody>
+          <a:bodyPr rtlCol="0" anchor="ctr"/>
+          <a:lstStyle/>
+          <a:p>
+            <a:pPr algn="ctr"/>
+            <a:endParaRPr lang="ko-KR" altLang="en-US"/>
+          </a:p>
+        </p:txBody>
+      </p:sp>
+      <p:sp>
+        <p:nvSpPr>
+          <p:cNvPr id="21" name="타원 20"/>
+          <p:cNvSpPr/>
+          <p:nvPr/>
+        </p:nvSpPr>
+        <p:spPr>
+          <a:xfrm>
+            <a:off x="8280627" y="3075980"/>
+            <a:ext cx="629463" cy="632531"/>
+          </a:xfrm>
+          <a:prstGeom prst="ellipse">
+            <a:avLst/>
+          </a:prstGeom>
+          <a:noFill/>
+          <a:ln w="19050">
+            <a:prstDash val="sysDot"/>
+          </a:ln>
+        </p:spPr>
+        <p:style>
+          <a:lnRef idx="2">
+            <a:schemeClr val="accent1">
+              <a:shade val="50000"/>
+            </a:schemeClr>
+          </a:lnRef>
+          <a:fillRef idx="1">
+            <a:schemeClr val="accent1"/>
+          </a:fillRef>
+          <a:effectRef idx="0">
+            <a:schemeClr val="accent1"/>
+          </a:effectRef>
+          <a:fontRef idx="minor">
+            <a:schemeClr val="lt1"/>
+          </a:fontRef>
+        </p:style>
+        <p:txBody>
+          <a:bodyPr rtlCol="0" anchor="ctr"/>
+          <a:lstStyle/>
+          <a:p>
+            <a:pPr algn="ctr"/>
+            <a:endParaRPr lang="ko-KR" altLang="en-US"/>
+          </a:p>
+        </p:txBody>
+      </p:sp>
+      <p:sp>
+        <p:nvSpPr>
+          <p:cNvPr id="22" name="TextBox 21"/>
+          <p:cNvSpPr txBox="1"/>
+          <p:nvPr/>
+        </p:nvSpPr>
+        <p:spPr>
+          <a:xfrm>
+            <a:off x="8509628" y="3044460"/>
+            <a:ext cx="1763624" cy="261610"/>
+          </a:xfrm>
+          <a:prstGeom prst="rect">
+            <a:avLst/>
+          </a:prstGeom>
+          <a:noFill/>
+        </p:spPr>
+        <p:txBody>
+          <a:bodyPr wrap="none" rtlCol="0">
+            <a:spAutoFit/>
+          </a:bodyPr>
+          <a:lstStyle/>
+          <a:p>
+            <a:r>
+              <a:rPr lang="en-US" altLang="ko-KR" sz="1100" b="1" smtClean="0">
+                <a:solidFill>
+                  <a:srgbClr val="0070C0"/>
+                </a:solidFill>
+              </a:rPr>
+              <a:t>UI</a:t>
+            </a:r>
+            <a:r>
+              <a:rPr lang="ko-KR" altLang="en-US" sz="1100" b="1" smtClean="0">
+                <a:solidFill>
+                  <a:srgbClr val="0070C0"/>
+                </a:solidFill>
+              </a:rPr>
+              <a:t>에서만 의미가 있다면</a:t>
+            </a:r>
+            <a:r>
+              <a:rPr lang="en-US" altLang="ko-KR" sz="1100" b="1" smtClean="0">
+                <a:solidFill>
+                  <a:srgbClr val="0070C0"/>
+                </a:solidFill>
+              </a:rPr>
+              <a:t>?</a:t>
+            </a:r>
+            <a:endParaRPr lang="ko-KR" altLang="en-US" sz="1100" b="1">
+              <a:solidFill>
+                <a:srgbClr val="0070C0"/>
+              </a:solidFill>
+            </a:endParaRPr>
+          </a:p>
+        </p:txBody>
+      </p:sp>
+      <p:cxnSp>
+        <p:nvCxnSpPr>
+          <p:cNvPr id="24" name="직선 화살표 연결선 23"/>
+          <p:cNvCxnSpPr>
+            <a:endCxn id="20" idx="3"/>
+          </p:cNvCxnSpPr>
+          <p:nvPr/>
+        </p:nvCxnSpPr>
+        <p:spPr>
+          <a:xfrm flipV="1">
+            <a:off x="8228432" y="2410127"/>
+            <a:ext cx="236423" cy="154417"/>
+          </a:xfrm>
+          <a:prstGeom prst="straightConnector1">
+            <a:avLst/>
+          </a:prstGeom>
+          <a:ln w="28575">
+            <a:solidFill>
+              <a:srgbClr val="0070C0"/>
+            </a:solidFill>
+            <a:tailEnd type="triangle"/>
+          </a:ln>
+        </p:spPr>
+        <p:style>
+          <a:lnRef idx="1">
+            <a:schemeClr val="accent1"/>
+          </a:lnRef>
+          <a:fillRef idx="0">
+            <a:schemeClr val="accent1"/>
+          </a:fillRef>
+          <a:effectRef idx="0">
+            <a:schemeClr val="accent1"/>
+          </a:effectRef>
+          <a:fontRef idx="minor">
+            <a:schemeClr val="tx1"/>
+          </a:fontRef>
+        </p:style>
+      </p:cxnSp>
+      <p:cxnSp>
+        <p:nvCxnSpPr>
+          <p:cNvPr id="26" name="직선 화살표 연결선 25"/>
+          <p:cNvCxnSpPr/>
+          <p:nvPr/>
+        </p:nvCxnSpPr>
+        <p:spPr>
+          <a:xfrm>
+            <a:off x="8246781" y="2808077"/>
+            <a:ext cx="165768" cy="269392"/>
+          </a:xfrm>
+          <a:prstGeom prst="straightConnector1">
+            <a:avLst/>
+          </a:prstGeom>
+          <a:ln w="28575">
+            <a:solidFill>
+              <a:srgbClr val="0070C0"/>
+            </a:solidFill>
+            <a:tailEnd type="triangle"/>
+          </a:ln>
+        </p:spPr>
+        <p:style>
+          <a:lnRef idx="1">
+            <a:schemeClr val="accent1"/>
+          </a:lnRef>
+          <a:fillRef idx="0">
+            <a:schemeClr val="accent1"/>
+          </a:fillRef>
+          <a:effectRef idx="0">
+            <a:schemeClr val="accent1"/>
+          </a:effectRef>
+          <a:fontRef idx="minor">
+            <a:schemeClr val="tx1"/>
+          </a:fontRef>
+        </p:style>
+      </p:cxnSp>
+      <p:pic>
+        <p:nvPicPr>
+          <p:cNvPr id="29" name="그림 28"/>
+          <p:cNvPicPr>
+            <a:picLocks noChangeAspect="1"/>
+          </p:cNvPicPr>
+          <p:nvPr/>
+        </p:nvPicPr>
+        <p:blipFill>
+          <a:blip r:embed="rId9"/>
+          <a:stretch>
+            <a:fillRect/>
+          </a:stretch>
+        </p:blipFill>
+        <p:spPr>
+          <a:xfrm>
+            <a:off x="1899516" y="4803727"/>
+            <a:ext cx="1612105" cy="247611"/>
+          </a:xfrm>
+          <a:prstGeom prst="rect">
+            <a:avLst/>
+          </a:prstGeom>
+        </p:spPr>
+      </p:pic>
+      <p:pic>
+        <p:nvPicPr>
+          <p:cNvPr id="30" name="그림 29"/>
+          <p:cNvPicPr>
+            <a:picLocks noChangeAspect="1"/>
+          </p:cNvPicPr>
+          <p:nvPr/>
+        </p:nvPicPr>
+        <p:blipFill>
+          <a:blip r:embed="rId10"/>
+          <a:stretch>
+            <a:fillRect/>
+          </a:stretch>
+        </p:blipFill>
+        <p:spPr>
+          <a:xfrm>
+            <a:off x="407429" y="5136529"/>
+            <a:ext cx="4748354" cy="709312"/>
+          </a:xfrm>
+          <a:prstGeom prst="rect">
+            <a:avLst/>
+          </a:prstGeom>
+        </p:spPr>
+      </p:pic>
+      <p:sp>
+        <p:nvSpPr>
+          <p:cNvPr id="31" name="TextBox 30"/>
+          <p:cNvSpPr txBox="1"/>
+          <p:nvPr/>
+        </p:nvSpPr>
+        <p:spPr>
+          <a:xfrm>
+            <a:off x="1365438" y="5733985"/>
+            <a:ext cx="2523448" cy="553998"/>
+          </a:xfrm>
+          <a:prstGeom prst="rect">
+            <a:avLst/>
+          </a:prstGeom>
+          <a:noFill/>
+        </p:spPr>
+        <p:txBody>
+          <a:bodyPr wrap="none" rtlCol="0">
+            <a:spAutoFit/>
+          </a:bodyPr>
+          <a:lstStyle/>
+          <a:p>
+            <a:pPr>
+              <a:lnSpc>
+                <a:spcPct val="150000"/>
+              </a:lnSpc>
+            </a:pPr>
+            <a:r>
+              <a:rPr lang="en-US" altLang="ko-KR" sz="1000" b="1" smtClean="0">
+                <a:solidFill>
+                  <a:srgbClr val="C00000"/>
+                </a:solidFill>
+              </a:rPr>
+              <a:t>Entity = </a:t>
+            </a:r>
+            <a:r>
+              <a:rPr lang="ko-KR" altLang="en-US" sz="1000" b="1" smtClean="0">
+                <a:solidFill>
+                  <a:srgbClr val="C00000"/>
+                </a:solidFill>
+              </a:rPr>
+              <a:t>도메인 지식</a:t>
+            </a:r>
+            <a:endParaRPr lang="en-US" altLang="ko-KR" sz="1000" b="1" smtClean="0">
+              <a:solidFill>
+                <a:srgbClr val="C00000"/>
+              </a:solidFill>
+            </a:endParaRPr>
+          </a:p>
+          <a:p>
+            <a:pPr>
+              <a:lnSpc>
+                <a:spcPct val="150000"/>
+              </a:lnSpc>
+            </a:pPr>
+            <a:r>
+              <a:rPr lang="en-US" altLang="ko-KR" sz="1000" b="1" smtClean="0">
+                <a:solidFill>
+                  <a:srgbClr val="C00000"/>
+                </a:solidFill>
+              </a:rPr>
+              <a:t>            + </a:t>
+            </a:r>
+            <a:r>
+              <a:rPr lang="ko-KR" altLang="en-US" sz="1000" b="1" smtClean="0">
+                <a:solidFill>
+                  <a:srgbClr val="C00000"/>
+                </a:solidFill>
+              </a:rPr>
+              <a:t>데이터베이스 </a:t>
+            </a:r>
+            <a:r>
+              <a:rPr lang="en-US" altLang="ko-KR" sz="1000" b="1" smtClean="0">
+                <a:solidFill>
+                  <a:srgbClr val="C00000"/>
+                </a:solidFill>
+              </a:rPr>
+              <a:t>Mapping </a:t>
+            </a:r>
+            <a:r>
+              <a:rPr lang="ko-KR" altLang="en-US" sz="1000" b="1" smtClean="0">
+                <a:solidFill>
+                  <a:srgbClr val="C00000"/>
+                </a:solidFill>
+              </a:rPr>
+              <a:t>지식</a:t>
+            </a:r>
+            <a:endParaRPr lang="ko-KR" altLang="en-US" sz="1000" b="1">
+              <a:solidFill>
+                <a:srgbClr val="C00000"/>
+              </a:solidFill>
+            </a:endParaRPr>
+          </a:p>
+        </p:txBody>
+      </p:sp>
+      <p:sp>
+        <p:nvSpPr>
+          <p:cNvPr id="32" name="TextBox 31"/>
+          <p:cNvSpPr txBox="1"/>
+          <p:nvPr/>
+        </p:nvSpPr>
+        <p:spPr>
+          <a:xfrm>
+            <a:off x="2181318" y="6385045"/>
+            <a:ext cx="829073" cy="276999"/>
+          </a:xfrm>
+          <a:prstGeom prst="rect">
+            <a:avLst/>
+          </a:prstGeom>
+          <a:noFill/>
+        </p:spPr>
+        <p:txBody>
+          <a:bodyPr wrap="none" rtlCol="0">
+            <a:spAutoFit/>
+          </a:bodyPr>
+          <a:lstStyle/>
+          <a:p>
+            <a:r>
+              <a:rPr lang="en-US" altLang="ko-KR" sz="1200" b="1" smtClean="0">
+                <a:solidFill>
+                  <a:srgbClr val="C00000"/>
+                </a:solidFill>
+              </a:rPr>
+              <a:t>SRP </a:t>
+            </a:r>
+            <a:r>
+              <a:rPr lang="ko-KR" altLang="en-US" sz="1200" b="1" smtClean="0">
+                <a:solidFill>
+                  <a:srgbClr val="C00000"/>
+                </a:solidFill>
+              </a:rPr>
+              <a:t>준수</a:t>
+            </a:r>
+            <a:endParaRPr lang="ko-KR" altLang="en-US" sz="1200" b="1">
+              <a:solidFill>
+                <a:srgbClr val="C00000"/>
+              </a:solidFill>
+            </a:endParaRPr>
+          </a:p>
+        </p:txBody>
+      </p:sp>
+      <p:grpSp>
+        <p:nvGrpSpPr>
+          <p:cNvPr id="39" name="그룹 38"/>
+          <p:cNvGrpSpPr/>
+          <p:nvPr/>
+        </p:nvGrpSpPr>
+        <p:grpSpPr>
+          <a:xfrm>
+            <a:off x="2380964" y="6320337"/>
+            <a:ext cx="400642" cy="406414"/>
+            <a:chOff x="5956197" y="5502017"/>
+            <a:chExt cx="400642" cy="406414"/>
+          </a:xfrm>
+        </p:grpSpPr>
+        <p:cxnSp>
+          <p:nvCxnSpPr>
+            <p:cNvPr id="35" name="직선 연결선 34"/>
+            <p:cNvCxnSpPr/>
+            <p:nvPr/>
+          </p:nvCxnSpPr>
+          <p:spPr>
+            <a:xfrm>
+              <a:off x="5956197" y="5502017"/>
+              <a:ext cx="400641" cy="406414"/>
+            </a:xfrm>
+            <a:prstGeom prst="line">
+              <a:avLst/>
+            </a:prstGeom>
+            <a:ln w="19050">
+              <a:solidFill>
+                <a:srgbClr val="C00000"/>
+              </a:solidFill>
+            </a:ln>
+          </p:spPr>
+          <p:style>
+            <a:lnRef idx="1">
+              <a:schemeClr val="accent1"/>
+            </a:lnRef>
+            <a:fillRef idx="0">
+              <a:schemeClr val="accent1"/>
+            </a:fillRef>
+            <a:effectRef idx="0">
+              <a:schemeClr val="accent1"/>
+            </a:effectRef>
+            <a:fontRef idx="minor">
+              <a:schemeClr val="tx1"/>
+            </a:fontRef>
+          </p:style>
+        </p:cxnSp>
+        <p:cxnSp>
+          <p:nvCxnSpPr>
+            <p:cNvPr id="37" name="직선 연결선 36"/>
+            <p:cNvCxnSpPr/>
+            <p:nvPr/>
+          </p:nvCxnSpPr>
+          <p:spPr>
+            <a:xfrm flipH="1">
+              <a:off x="5956197" y="5502017"/>
+              <a:ext cx="400642" cy="406414"/>
+            </a:xfrm>
+            <a:prstGeom prst="line">
+              <a:avLst/>
+            </a:prstGeom>
+            <a:ln w="19050">
+              <a:solidFill>
+                <a:srgbClr val="C00000"/>
+              </a:solidFill>
+            </a:ln>
+          </p:spPr>
+          <p:style>
+            <a:lnRef idx="1">
+              <a:schemeClr val="accent1"/>
+            </a:lnRef>
+            <a:fillRef idx="0">
+              <a:schemeClr val="accent1"/>
+            </a:fillRef>
+            <a:effectRef idx="0">
+              <a:schemeClr val="accent1"/>
+            </a:effectRef>
+            <a:fontRef idx="minor">
+              <a:schemeClr val="tx1"/>
+            </a:fontRef>
+          </p:style>
+        </p:cxnSp>
+      </p:grpSp>
+      <p:grpSp>
+        <p:nvGrpSpPr>
+          <p:cNvPr id="47" name="그룹 46"/>
+          <p:cNvGrpSpPr/>
+          <p:nvPr/>
+        </p:nvGrpSpPr>
+        <p:grpSpPr>
+          <a:xfrm>
+            <a:off x="6447279" y="149636"/>
+            <a:ext cx="489852" cy="500995"/>
+            <a:chOff x="6447279" y="149636"/>
+            <a:chExt cx="489852" cy="500995"/>
+          </a:xfrm>
+        </p:grpSpPr>
+        <p:sp>
+          <p:nvSpPr>
+            <p:cNvPr id="41" name="타원 40"/>
+            <p:cNvSpPr/>
+            <p:nvPr/>
+          </p:nvSpPr>
+          <p:spPr>
+            <a:xfrm>
+              <a:off x="6447279" y="149636"/>
+              <a:ext cx="489852" cy="500995"/>
+            </a:xfrm>
+            <a:prstGeom prst="ellipse">
+              <a:avLst/>
+            </a:prstGeom>
+            <a:solidFill>
+              <a:srgbClr val="C00000"/>
+            </a:solidFill>
+            <a:ln>
+              <a:solidFill>
+                <a:srgbClr val="C00000"/>
+              </a:solidFill>
+            </a:ln>
+          </p:spPr>
+          <p:style>
+            <a:lnRef idx="2">
+              <a:schemeClr val="accent1">
+                <a:shade val="50000"/>
+              </a:schemeClr>
+            </a:lnRef>
+            <a:fillRef idx="1">
+              <a:schemeClr val="accent1"/>
+            </a:fillRef>
+            <a:effectRef idx="0">
+              <a:schemeClr val="accent1"/>
+            </a:effectRef>
+            <a:fontRef idx="minor">
+              <a:schemeClr val="lt1"/>
+            </a:fontRef>
+          </p:style>
+          <p:txBody>
+            <a:bodyPr rtlCol="0" anchor="ctr"/>
+            <a:lstStyle/>
+            <a:p>
+              <a:pPr algn="ctr"/>
+              <a:endParaRPr lang="ko-KR" altLang="en-US"/>
+            </a:p>
+          </p:txBody>
+        </p:sp>
+        <p:sp>
+          <p:nvSpPr>
+            <p:cNvPr id="40" name="TextBox 39"/>
+            <p:cNvSpPr txBox="1"/>
+            <p:nvPr/>
+          </p:nvSpPr>
+          <p:spPr>
+            <a:xfrm>
+              <a:off x="6492471" y="230856"/>
+              <a:ext cx="399468" cy="338554"/>
+            </a:xfrm>
+            <a:prstGeom prst="rect">
+              <a:avLst/>
+            </a:prstGeom>
+            <a:noFill/>
+          </p:spPr>
+          <p:txBody>
+            <a:bodyPr wrap="none" rtlCol="0">
+              <a:spAutoFit/>
+            </a:bodyPr>
+            <a:lstStyle/>
+            <a:p>
+              <a:r>
+                <a:rPr lang="en-US" altLang="ko-KR" sz="1600" b="1" smtClean="0">
+                  <a:solidFill>
+                    <a:schemeClr val="bg1"/>
+                  </a:solidFill>
+                </a:rPr>
+                <a:t>UI</a:t>
+              </a:r>
+              <a:endParaRPr lang="ko-KR" altLang="en-US" sz="1600" b="1">
+                <a:solidFill>
+                  <a:schemeClr val="bg1"/>
+                </a:solidFill>
+              </a:endParaRPr>
+            </a:p>
+          </p:txBody>
+        </p:sp>
+      </p:grpSp>
+      <p:cxnSp>
+        <p:nvCxnSpPr>
+          <p:cNvPr id="43" name="직선 화살표 연결선 42"/>
+          <p:cNvCxnSpPr>
+            <a:endCxn id="29" idx="0"/>
+          </p:cNvCxnSpPr>
+          <p:nvPr/>
+        </p:nvCxnSpPr>
+        <p:spPr>
+          <a:xfrm flipH="1">
+            <a:off x="2705569" y="2108477"/>
+            <a:ext cx="2403534" cy="2695250"/>
+          </a:xfrm>
+          <a:prstGeom prst="straightConnector1">
+            <a:avLst/>
+          </a:prstGeom>
+          <a:ln w="19050">
+            <a:solidFill>
+              <a:srgbClr val="C00000"/>
+            </a:solidFill>
+            <a:tailEnd type="triangle"/>
+          </a:ln>
+        </p:spPr>
+        <p:style>
+          <a:lnRef idx="1">
+            <a:schemeClr val="accent1"/>
+          </a:lnRef>
+          <a:fillRef idx="0">
+            <a:schemeClr val="accent1"/>
+          </a:fillRef>
+          <a:effectRef idx="0">
+            <a:schemeClr val="accent1"/>
+          </a:effectRef>
+          <a:fontRef idx="minor">
+            <a:schemeClr val="tx1"/>
+          </a:fontRef>
+        </p:style>
+      </p:cxnSp>
+      <p:grpSp>
+        <p:nvGrpSpPr>
+          <p:cNvPr id="66" name="그룹 65"/>
+          <p:cNvGrpSpPr/>
+          <p:nvPr/>
+        </p:nvGrpSpPr>
+        <p:grpSpPr>
+          <a:xfrm>
+            <a:off x="2849751" y="4120793"/>
+            <a:ext cx="489852" cy="500995"/>
+            <a:chOff x="4313562" y="4025414"/>
+            <a:chExt cx="489852" cy="500995"/>
+          </a:xfrm>
+        </p:grpSpPr>
+        <p:sp>
+          <p:nvSpPr>
+            <p:cNvPr id="49" name="타원 48"/>
+            <p:cNvSpPr/>
+            <p:nvPr/>
+          </p:nvSpPr>
+          <p:spPr>
+            <a:xfrm>
+              <a:off x="4313562" y="4025414"/>
+              <a:ext cx="489852" cy="500995"/>
+            </a:xfrm>
+            <a:prstGeom prst="ellipse">
+              <a:avLst/>
+            </a:prstGeom>
+            <a:solidFill>
+              <a:srgbClr val="C00000"/>
+            </a:solidFill>
+            <a:ln>
+              <a:solidFill>
+                <a:srgbClr val="C00000"/>
+              </a:solidFill>
+            </a:ln>
+          </p:spPr>
+          <p:style>
+            <a:lnRef idx="2">
+              <a:schemeClr val="accent1">
+                <a:shade val="50000"/>
+              </a:schemeClr>
+            </a:lnRef>
+            <a:fillRef idx="1">
+              <a:schemeClr val="accent1"/>
+            </a:fillRef>
+            <a:effectRef idx="0">
+              <a:schemeClr val="accent1"/>
+            </a:effectRef>
+            <a:fontRef idx="minor">
+              <a:schemeClr val="lt1"/>
+            </a:fontRef>
+          </p:style>
+          <p:txBody>
+            <a:bodyPr rtlCol="0" anchor="ctr"/>
+            <a:lstStyle/>
+            <a:p>
+              <a:pPr algn="ctr"/>
+              <a:endParaRPr lang="ko-KR" altLang="en-US"/>
+            </a:p>
+          </p:txBody>
+        </p:sp>
+        <p:sp>
+          <p:nvSpPr>
+            <p:cNvPr id="50" name="TextBox 49"/>
+            <p:cNvSpPr txBox="1"/>
+            <p:nvPr/>
+          </p:nvSpPr>
+          <p:spPr>
+            <a:xfrm>
+              <a:off x="4324289" y="4106634"/>
+              <a:ext cx="468398" cy="338554"/>
+            </a:xfrm>
+            <a:prstGeom prst="rect">
+              <a:avLst/>
+            </a:prstGeom>
+            <a:noFill/>
+          </p:spPr>
+          <p:txBody>
+            <a:bodyPr wrap="none" rtlCol="0">
+              <a:spAutoFit/>
+            </a:bodyPr>
+            <a:lstStyle/>
+            <a:p>
+              <a:r>
+                <a:rPr lang="en-US" altLang="ko-KR" sz="1600" b="1" smtClean="0">
+                  <a:solidFill>
+                    <a:schemeClr val="bg1"/>
+                  </a:solidFill>
+                </a:rPr>
+                <a:t>DB</a:t>
+              </a:r>
+              <a:endParaRPr lang="ko-KR" altLang="en-US" sz="1600" b="1">
+                <a:solidFill>
+                  <a:schemeClr val="bg1"/>
+                </a:solidFill>
+              </a:endParaRPr>
+            </a:p>
+          </p:txBody>
+        </p:sp>
+      </p:grpSp>
+      <p:sp>
+        <p:nvSpPr>
+          <p:cNvPr id="51" name="TextBox 50"/>
+          <p:cNvSpPr txBox="1"/>
+          <p:nvPr/>
+        </p:nvSpPr>
+        <p:spPr>
+          <a:xfrm>
+            <a:off x="4113317" y="5733985"/>
+            <a:ext cx="2302233" cy="553998"/>
+          </a:xfrm>
+          <a:prstGeom prst="rect">
+            <a:avLst/>
+          </a:prstGeom>
+          <a:noFill/>
+        </p:spPr>
+        <p:txBody>
+          <a:bodyPr wrap="none" rtlCol="0">
+            <a:spAutoFit/>
+          </a:bodyPr>
+          <a:lstStyle/>
+          <a:p>
+            <a:pPr>
+              <a:lnSpc>
+                <a:spcPct val="150000"/>
+              </a:lnSpc>
+            </a:pPr>
+            <a:r>
+              <a:rPr lang="en-US" altLang="ko-KR" sz="1000" b="1" smtClean="0">
+                <a:solidFill>
+                  <a:srgbClr val="C00000"/>
+                </a:solidFill>
+              </a:rPr>
+              <a:t>Entity = </a:t>
+            </a:r>
+            <a:r>
+              <a:rPr lang="ko-KR" altLang="en-US" sz="1000" b="1">
+                <a:solidFill>
+                  <a:srgbClr val="C00000"/>
+                </a:solidFill>
+              </a:rPr>
+              <a:t>도메인 지식</a:t>
+            </a:r>
+            <a:endParaRPr lang="en-US" altLang="ko-KR" sz="1000" b="1" smtClean="0">
+              <a:solidFill>
+                <a:srgbClr val="C00000"/>
+              </a:solidFill>
+            </a:endParaRPr>
+          </a:p>
+          <a:p>
+            <a:pPr>
+              <a:lnSpc>
+                <a:spcPct val="150000"/>
+              </a:lnSpc>
+            </a:pPr>
+            <a:r>
+              <a:rPr lang="en-US" altLang="ko-KR" sz="1000" b="1" smtClean="0">
+                <a:solidFill>
+                  <a:srgbClr val="C00000"/>
+                </a:solidFill>
+              </a:rPr>
+              <a:t>Map = </a:t>
+            </a:r>
+            <a:r>
+              <a:rPr lang="ko-KR" altLang="en-US" sz="1000" b="1">
+                <a:solidFill>
+                  <a:srgbClr val="C00000"/>
+                </a:solidFill>
+              </a:rPr>
+              <a:t>데이터베이스 </a:t>
+            </a:r>
+            <a:r>
+              <a:rPr lang="en-US" altLang="ko-KR" sz="1000" b="1">
+                <a:solidFill>
+                  <a:srgbClr val="C00000"/>
+                </a:solidFill>
+              </a:rPr>
+              <a:t>Mapping </a:t>
+            </a:r>
+            <a:r>
+              <a:rPr lang="ko-KR" altLang="en-US" sz="1000" b="1">
+                <a:solidFill>
+                  <a:srgbClr val="C00000"/>
+                </a:solidFill>
+              </a:rPr>
+              <a:t>지식</a:t>
+            </a:r>
+          </a:p>
+        </p:txBody>
+      </p:sp>
+      <p:pic>
+        <p:nvPicPr>
+          <p:cNvPr id="52" name="그림 51"/>
+          <p:cNvPicPr>
+            <a:picLocks noChangeAspect="1"/>
+          </p:cNvPicPr>
+          <p:nvPr/>
+        </p:nvPicPr>
+        <p:blipFill>
+          <a:blip r:embed="rId11"/>
+          <a:stretch>
+            <a:fillRect/>
+          </a:stretch>
+        </p:blipFill>
+        <p:spPr>
+          <a:xfrm>
+            <a:off x="3501270" y="4295016"/>
+            <a:ext cx="1152449" cy="782527"/>
+          </a:xfrm>
+          <a:prstGeom prst="rect">
+            <a:avLst/>
+          </a:prstGeom>
+        </p:spPr>
+      </p:pic>
+      <p:pic>
+        <p:nvPicPr>
+          <p:cNvPr id="55" name="그림 54"/>
+          <p:cNvPicPr>
+            <a:picLocks noChangeAspect="1"/>
+          </p:cNvPicPr>
+          <p:nvPr/>
+        </p:nvPicPr>
+        <p:blipFill>
+          <a:blip r:embed="rId12"/>
+          <a:stretch>
+            <a:fillRect/>
+          </a:stretch>
+        </p:blipFill>
+        <p:spPr>
+          <a:xfrm>
+            <a:off x="5054555" y="4295016"/>
+            <a:ext cx="833755" cy="758291"/>
+          </a:xfrm>
+          <a:prstGeom prst="rect">
+            <a:avLst/>
+          </a:prstGeom>
+        </p:spPr>
+      </p:pic>
+      <p:sp>
+        <p:nvSpPr>
+          <p:cNvPr id="57" name="TextBox 56"/>
+          <p:cNvSpPr txBox="1"/>
+          <p:nvPr/>
+        </p:nvSpPr>
+        <p:spPr>
+          <a:xfrm>
+            <a:off x="4672076" y="4592788"/>
+            <a:ext cx="381836" cy="261610"/>
+          </a:xfrm>
+          <a:prstGeom prst="rect">
+            <a:avLst/>
+          </a:prstGeom>
+          <a:noFill/>
+        </p:spPr>
+        <p:txBody>
+          <a:bodyPr wrap="none" rtlCol="0">
+            <a:spAutoFit/>
+          </a:bodyPr>
+          <a:lstStyle/>
+          <a:p>
+            <a:r>
+              <a:rPr lang="en-US" altLang="ko-KR" sz="1050" b="1" i="1" smtClean="0"/>
+              <a:t>Vs.</a:t>
+            </a:r>
+            <a:endParaRPr lang="ko-KR" altLang="en-US" sz="1050" b="1" i="1"/>
+          </a:p>
+        </p:txBody>
+      </p:sp>
+      <p:sp>
+        <p:nvSpPr>
+          <p:cNvPr id="58" name="TextBox 57"/>
+          <p:cNvSpPr txBox="1"/>
+          <p:nvPr/>
+        </p:nvSpPr>
+        <p:spPr>
+          <a:xfrm>
+            <a:off x="3491619" y="4066197"/>
+            <a:ext cx="476412" cy="230832"/>
+          </a:xfrm>
+          <a:prstGeom prst="rect">
+            <a:avLst/>
+          </a:prstGeom>
+          <a:noFill/>
+        </p:spPr>
+        <p:txBody>
+          <a:bodyPr wrap="none" rtlCol="0">
+            <a:spAutoFit/>
+          </a:bodyPr>
+          <a:lstStyle/>
+          <a:p>
+            <a:pPr algn="ctr"/>
+            <a:r>
+              <a:rPr lang="en-US" altLang="ko-KR" sz="900" smtClean="0"/>
+              <a:t>Entity</a:t>
+            </a:r>
+            <a:endParaRPr lang="ko-KR" altLang="en-US" sz="900"/>
+          </a:p>
+        </p:txBody>
+      </p:sp>
+      <p:sp>
+        <p:nvSpPr>
+          <p:cNvPr id="59" name="TextBox 58"/>
+          <p:cNvSpPr txBox="1"/>
+          <p:nvPr/>
+        </p:nvSpPr>
+        <p:spPr>
+          <a:xfrm>
+            <a:off x="3987461" y="4066197"/>
+            <a:ext cx="861133" cy="230832"/>
+          </a:xfrm>
+          <a:prstGeom prst="rect">
+            <a:avLst/>
+          </a:prstGeom>
+          <a:noFill/>
+        </p:spPr>
+        <p:txBody>
+          <a:bodyPr wrap="none" rtlCol="0">
+            <a:spAutoFit/>
+          </a:bodyPr>
+          <a:lstStyle/>
+          <a:p>
+            <a:pPr algn="ctr"/>
+            <a:r>
+              <a:rPr lang="en-US" altLang="ko-KR" sz="900" smtClean="0"/>
+              <a:t>Value Object</a:t>
+            </a:r>
+            <a:endParaRPr lang="ko-KR" altLang="en-US" sz="900"/>
+          </a:p>
+        </p:txBody>
+      </p:sp>
+      <p:sp>
+        <p:nvSpPr>
+          <p:cNvPr id="60" name="TextBox 59"/>
+          <p:cNvSpPr txBox="1"/>
+          <p:nvPr/>
+        </p:nvSpPr>
+        <p:spPr>
+          <a:xfrm>
+            <a:off x="4890983" y="4066197"/>
+            <a:ext cx="1343638" cy="230832"/>
+          </a:xfrm>
+          <a:prstGeom prst="rect">
+            <a:avLst/>
+          </a:prstGeom>
+          <a:noFill/>
+        </p:spPr>
+        <p:txBody>
+          <a:bodyPr wrap="none" rtlCol="0">
+            <a:spAutoFit/>
+          </a:bodyPr>
+          <a:lstStyle/>
+          <a:p>
+            <a:pPr algn="ctr"/>
+            <a:r>
+              <a:rPr lang="en-US" altLang="ko-KR" sz="900" smtClean="0"/>
+              <a:t>Entity(+ Value Object)</a:t>
+            </a:r>
+            <a:endParaRPr lang="ko-KR" altLang="en-US" sz="900"/>
+          </a:p>
+        </p:txBody>
+      </p:sp>
+      <p:grpSp>
+        <p:nvGrpSpPr>
+          <p:cNvPr id="61" name="그룹 60"/>
+          <p:cNvGrpSpPr/>
+          <p:nvPr/>
+        </p:nvGrpSpPr>
+        <p:grpSpPr>
+          <a:xfrm>
+            <a:off x="4160144" y="3993906"/>
+            <a:ext cx="400642" cy="406414"/>
+            <a:chOff x="5956197" y="5502017"/>
+            <a:chExt cx="400642" cy="406414"/>
+          </a:xfrm>
+        </p:grpSpPr>
+        <p:cxnSp>
+          <p:nvCxnSpPr>
+            <p:cNvPr id="62" name="직선 연결선 61"/>
+            <p:cNvCxnSpPr/>
+            <p:nvPr/>
+          </p:nvCxnSpPr>
+          <p:spPr>
+            <a:xfrm>
+              <a:off x="5956197" y="5502017"/>
+              <a:ext cx="400641" cy="406414"/>
+            </a:xfrm>
+            <a:prstGeom prst="line">
+              <a:avLst/>
+            </a:prstGeom>
+            <a:ln w="19050">
+              <a:solidFill>
+                <a:srgbClr val="C00000"/>
+              </a:solidFill>
+            </a:ln>
+          </p:spPr>
+          <p:style>
+            <a:lnRef idx="1">
+              <a:schemeClr val="accent1"/>
+            </a:lnRef>
+            <a:fillRef idx="0">
+              <a:schemeClr val="accent1"/>
+            </a:fillRef>
+            <a:effectRef idx="0">
+              <a:schemeClr val="accent1"/>
+            </a:effectRef>
+            <a:fontRef idx="minor">
+              <a:schemeClr val="tx1"/>
+            </a:fontRef>
+          </p:style>
+        </p:cxnSp>
+        <p:cxnSp>
+          <p:nvCxnSpPr>
+            <p:cNvPr id="63" name="직선 연결선 62"/>
+            <p:cNvCxnSpPr/>
+            <p:nvPr/>
+          </p:nvCxnSpPr>
+          <p:spPr>
+            <a:xfrm flipH="1">
+              <a:off x="5956197" y="5502017"/>
+              <a:ext cx="400642" cy="406414"/>
+            </a:xfrm>
+            <a:prstGeom prst="line">
+              <a:avLst/>
+            </a:prstGeom>
+            <a:ln w="19050">
+              <a:solidFill>
+                <a:srgbClr val="C00000"/>
+              </a:solidFill>
+            </a:ln>
+          </p:spPr>
+          <p:style>
+            <a:lnRef idx="1">
+              <a:schemeClr val="accent1"/>
+            </a:lnRef>
+            <a:fillRef idx="0">
+              <a:schemeClr val="accent1"/>
+            </a:fillRef>
+            <a:effectRef idx="0">
+              <a:schemeClr val="accent1"/>
+            </a:effectRef>
+            <a:fontRef idx="minor">
+              <a:schemeClr val="tx1"/>
+            </a:fontRef>
+          </p:style>
+        </p:cxnSp>
+      </p:grpSp>
+      <p:pic>
+        <p:nvPicPr>
+          <p:cNvPr id="69" name="그림 68"/>
+          <p:cNvPicPr>
+            <a:picLocks noChangeAspect="1"/>
+          </p:cNvPicPr>
+          <p:nvPr/>
+        </p:nvPicPr>
+        <p:blipFill>
+          <a:blip r:embed="rId13"/>
+          <a:stretch>
+            <a:fillRect/>
+          </a:stretch>
+        </p:blipFill>
+        <p:spPr>
+          <a:xfrm>
+            <a:off x="6522169" y="4487066"/>
+            <a:ext cx="2763674" cy="1155306"/>
+          </a:xfrm>
+          <a:prstGeom prst="rect">
+            <a:avLst/>
+          </a:prstGeom>
+        </p:spPr>
+      </p:pic>
+      <p:pic>
+        <p:nvPicPr>
+          <p:cNvPr id="71" name="그림 70"/>
+          <p:cNvPicPr>
+            <a:picLocks noChangeAspect="1"/>
+          </p:cNvPicPr>
+          <p:nvPr/>
+        </p:nvPicPr>
+        <p:blipFill>
+          <a:blip r:embed="rId14"/>
+          <a:stretch>
+            <a:fillRect/>
+          </a:stretch>
+        </p:blipFill>
+        <p:spPr>
+          <a:xfrm>
+            <a:off x="6686550" y="5712673"/>
+            <a:ext cx="2091935" cy="1014078"/>
+          </a:xfrm>
+          <a:prstGeom prst="rect">
+            <a:avLst/>
+          </a:prstGeom>
+        </p:spPr>
+      </p:pic>
+      <p:pic>
+        <p:nvPicPr>
+          <p:cNvPr id="75" name="그림 74"/>
+          <p:cNvPicPr>
+            <a:picLocks noChangeAspect="1"/>
+          </p:cNvPicPr>
+          <p:nvPr/>
+        </p:nvPicPr>
+        <p:blipFill>
+          <a:blip r:embed="rId15"/>
+          <a:stretch>
+            <a:fillRect/>
+          </a:stretch>
+        </p:blipFill>
+        <p:spPr>
+          <a:xfrm>
+            <a:off x="7816094" y="4054913"/>
+            <a:ext cx="2187991" cy="315099"/>
+          </a:xfrm>
+          <a:prstGeom prst="rect">
+            <a:avLst/>
+          </a:prstGeom>
+        </p:spPr>
+      </p:pic>
+      <p:sp>
+        <p:nvSpPr>
+          <p:cNvPr id="76" name="타원 75"/>
+          <p:cNvSpPr/>
+          <p:nvPr/>
+        </p:nvSpPr>
+        <p:spPr>
+          <a:xfrm>
+            <a:off x="6657046" y="4661312"/>
+            <a:ext cx="413239" cy="403407"/>
+          </a:xfrm>
+          <a:prstGeom prst="ellipse">
+            <a:avLst/>
+          </a:prstGeom>
+          <a:solidFill>
+            <a:srgbClr val="0070C0"/>
+          </a:solidFill>
+          <a:ln>
+            <a:solidFill>
+              <a:srgbClr val="00B0F0"/>
+            </a:solidFill>
+          </a:ln>
+        </p:spPr>
+        <p:style>
+          <a:lnRef idx="2">
+            <a:schemeClr val="accent1">
+              <a:shade val="50000"/>
+            </a:schemeClr>
+          </a:lnRef>
+          <a:fillRef idx="1">
+            <a:schemeClr val="accent1"/>
+          </a:fillRef>
+          <a:effectRef idx="0">
+            <a:schemeClr val="accent1"/>
+          </a:effectRef>
+          <a:fontRef idx="minor">
+            <a:schemeClr val="lt1"/>
+          </a:fontRef>
+        </p:style>
+        <p:txBody>
+          <a:bodyPr rtlCol="0" anchor="ctr"/>
+          <a:lstStyle/>
+          <a:p>
+            <a:pPr algn="ctr"/>
+            <a:r>
+              <a:rPr lang="en-US" altLang="ko-KR" sz="1100" b="1" smtClean="0"/>
+              <a:t>1.</a:t>
+            </a:r>
+            <a:endParaRPr lang="ko-KR" altLang="en-US" sz="1100" b="1"/>
+          </a:p>
+        </p:txBody>
+      </p:sp>
+      <p:sp>
+        <p:nvSpPr>
+          <p:cNvPr id="77" name="타원 76"/>
+          <p:cNvSpPr/>
+          <p:nvPr/>
+        </p:nvSpPr>
+        <p:spPr>
+          <a:xfrm>
+            <a:off x="6657046" y="5893242"/>
+            <a:ext cx="413239" cy="403407"/>
+          </a:xfrm>
+          <a:prstGeom prst="ellipse">
+            <a:avLst/>
+          </a:prstGeom>
+          <a:solidFill>
+            <a:srgbClr val="0070C0"/>
+          </a:solidFill>
+          <a:ln>
+            <a:solidFill>
+              <a:srgbClr val="00B0F0"/>
+            </a:solidFill>
+          </a:ln>
+        </p:spPr>
+        <p:style>
+          <a:lnRef idx="2">
+            <a:schemeClr val="accent1">
+              <a:shade val="50000"/>
+            </a:schemeClr>
+          </a:lnRef>
+          <a:fillRef idx="1">
+            <a:schemeClr val="accent1"/>
+          </a:fillRef>
+          <a:effectRef idx="0">
+            <a:schemeClr val="accent1"/>
+          </a:effectRef>
+          <a:fontRef idx="minor">
+            <a:schemeClr val="lt1"/>
+          </a:fontRef>
+        </p:style>
+        <p:txBody>
+          <a:bodyPr rtlCol="0" anchor="ctr"/>
+          <a:lstStyle/>
+          <a:p>
+            <a:pPr algn="ctr"/>
+            <a:r>
+              <a:rPr lang="en-US" altLang="ko-KR" sz="1100" b="1" smtClean="0"/>
+              <a:t>2.</a:t>
+            </a:r>
+            <a:endParaRPr lang="ko-KR" altLang="en-US" sz="1100" b="1"/>
+          </a:p>
+        </p:txBody>
+      </p:sp>
+      <p:sp>
+        <p:nvSpPr>
+          <p:cNvPr id="78" name="타원 77"/>
+          <p:cNvSpPr/>
+          <p:nvPr/>
+        </p:nvSpPr>
+        <p:spPr>
+          <a:xfrm>
+            <a:off x="9908927" y="4725828"/>
+            <a:ext cx="413239" cy="403407"/>
+          </a:xfrm>
+          <a:prstGeom prst="ellipse">
+            <a:avLst/>
+          </a:prstGeom>
+          <a:solidFill>
+            <a:srgbClr val="0070C0"/>
+          </a:solidFill>
+          <a:ln>
+            <a:solidFill>
+              <a:srgbClr val="00B0F0"/>
+            </a:solidFill>
+          </a:ln>
+        </p:spPr>
+        <p:style>
+          <a:lnRef idx="2">
+            <a:schemeClr val="accent1">
+              <a:shade val="50000"/>
+            </a:schemeClr>
+          </a:lnRef>
+          <a:fillRef idx="1">
+            <a:schemeClr val="accent1"/>
+          </a:fillRef>
+          <a:effectRef idx="0">
+            <a:schemeClr val="accent1"/>
+          </a:effectRef>
+          <a:fontRef idx="minor">
+            <a:schemeClr val="lt1"/>
+          </a:fontRef>
+        </p:style>
+        <p:txBody>
+          <a:bodyPr rtlCol="0" anchor="ctr"/>
+          <a:lstStyle/>
+          <a:p>
+            <a:pPr algn="ctr"/>
+            <a:r>
+              <a:rPr lang="en-US" altLang="ko-KR" sz="1100" b="1" smtClean="0"/>
+              <a:t>3.</a:t>
+            </a:r>
+            <a:endParaRPr lang="ko-KR" altLang="en-US" sz="1100" b="1"/>
+          </a:p>
+        </p:txBody>
+      </p:sp>
+    </p:spTree>
+    <p:extLst>
+      <p:ext uri="{BB962C8B-B14F-4D97-AF65-F5344CB8AC3E}">
+        <p14:creationId xmlns:p14="http://schemas.microsoft.com/office/powerpoint/2010/main" val="4170650758"/>
+      </p:ext>
+    </p:extLst>
+  </p:cSld>
+  <p:clrMapOvr>
+    <a:masterClrMapping/>
+  </p:clrMapOvr>
+</p:sld>
+</file>
+
 <file path=ppt/theme/theme1.xml><?xml version="1.0" encoding="utf-8"?>
 <a:theme xmlns:a="http://schemas.openxmlformats.org/drawingml/2006/main" name="Office 테마">
   <a:themeElements>

--- a/Lectures/DddInPractice/Docs/Domain-Driven Design in Practice.pptx
+++ b/Lectures/DddInPractice/Docs/Domain-Driven Design in Practice.pptx
@@ -246,7 +246,7 @@
           <a:p>
             <a:fld id="{B1968A38-0C6D-4B4E-8C1A-47A20DE5FB81}" type="datetimeFigureOut">
               <a:rPr lang="ko-KR" altLang="en-US" smtClean="0"/>
-              <a:t>2021-01-12</a:t>
+              <a:t>2021-01-27</a:t>
             </a:fld>
             <a:endParaRPr lang="ko-KR" altLang="en-US"/>
           </a:p>
@@ -416,7 +416,7 @@
           <a:p>
             <a:fld id="{B1968A38-0C6D-4B4E-8C1A-47A20DE5FB81}" type="datetimeFigureOut">
               <a:rPr lang="ko-KR" altLang="en-US" smtClean="0"/>
-              <a:t>2021-01-12</a:t>
+              <a:t>2021-01-27</a:t>
             </a:fld>
             <a:endParaRPr lang="ko-KR" altLang="en-US"/>
           </a:p>
@@ -596,7 +596,7 @@
           <a:p>
             <a:fld id="{B1968A38-0C6D-4B4E-8C1A-47A20DE5FB81}" type="datetimeFigureOut">
               <a:rPr lang="ko-KR" altLang="en-US" smtClean="0"/>
-              <a:t>2021-01-12</a:t>
+              <a:t>2021-01-27</a:t>
             </a:fld>
             <a:endParaRPr lang="ko-KR" altLang="en-US"/>
           </a:p>
@@ -766,7 +766,7 @@
           <a:p>
             <a:fld id="{B1968A38-0C6D-4B4E-8C1A-47A20DE5FB81}" type="datetimeFigureOut">
               <a:rPr lang="ko-KR" altLang="en-US" smtClean="0"/>
-              <a:t>2021-01-12</a:t>
+              <a:t>2021-01-27</a:t>
             </a:fld>
             <a:endParaRPr lang="ko-KR" altLang="en-US"/>
           </a:p>
@@ -1012,7 +1012,7 @@
           <a:p>
             <a:fld id="{B1968A38-0C6D-4B4E-8C1A-47A20DE5FB81}" type="datetimeFigureOut">
               <a:rPr lang="ko-KR" altLang="en-US" smtClean="0"/>
-              <a:t>2021-01-12</a:t>
+              <a:t>2021-01-27</a:t>
             </a:fld>
             <a:endParaRPr lang="ko-KR" altLang="en-US"/>
           </a:p>
@@ -1244,7 +1244,7 @@
           <a:p>
             <a:fld id="{B1968A38-0C6D-4B4E-8C1A-47A20DE5FB81}" type="datetimeFigureOut">
               <a:rPr lang="ko-KR" altLang="en-US" smtClean="0"/>
-              <a:t>2021-01-12</a:t>
+              <a:t>2021-01-27</a:t>
             </a:fld>
             <a:endParaRPr lang="ko-KR" altLang="en-US"/>
           </a:p>
@@ -1611,7 +1611,7 @@
           <a:p>
             <a:fld id="{B1968A38-0C6D-4B4E-8C1A-47A20DE5FB81}" type="datetimeFigureOut">
               <a:rPr lang="ko-KR" altLang="en-US" smtClean="0"/>
-              <a:t>2021-01-12</a:t>
+              <a:t>2021-01-27</a:t>
             </a:fld>
             <a:endParaRPr lang="ko-KR" altLang="en-US"/>
           </a:p>
@@ -1729,7 +1729,7 @@
           <a:p>
             <a:fld id="{B1968A38-0C6D-4B4E-8C1A-47A20DE5FB81}" type="datetimeFigureOut">
               <a:rPr lang="ko-KR" altLang="en-US" smtClean="0"/>
-              <a:t>2021-01-12</a:t>
+              <a:t>2021-01-27</a:t>
             </a:fld>
             <a:endParaRPr lang="ko-KR" altLang="en-US"/>
           </a:p>
@@ -1824,7 +1824,7 @@
           <a:p>
             <a:fld id="{B1968A38-0C6D-4B4E-8C1A-47A20DE5FB81}" type="datetimeFigureOut">
               <a:rPr lang="ko-KR" altLang="en-US" smtClean="0"/>
-              <a:t>2021-01-12</a:t>
+              <a:t>2021-01-27</a:t>
             </a:fld>
             <a:endParaRPr lang="ko-KR" altLang="en-US"/>
           </a:p>
@@ -2101,7 +2101,7 @@
           <a:p>
             <a:fld id="{B1968A38-0C6D-4B4E-8C1A-47A20DE5FB81}" type="datetimeFigureOut">
               <a:rPr lang="ko-KR" altLang="en-US" smtClean="0"/>
-              <a:t>2021-01-12</a:t>
+              <a:t>2021-01-27</a:t>
             </a:fld>
             <a:endParaRPr lang="ko-KR" altLang="en-US"/>
           </a:p>
@@ -2354,7 +2354,7 @@
           <a:p>
             <a:fld id="{B1968A38-0C6D-4B4E-8C1A-47A20DE5FB81}" type="datetimeFigureOut">
               <a:rPr lang="ko-KR" altLang="en-US" smtClean="0"/>
-              <a:t>2021-01-12</a:t>
+              <a:t>2021-01-27</a:t>
             </a:fld>
             <a:endParaRPr lang="ko-KR" altLang="en-US"/>
           </a:p>
@@ -2567,7 +2567,7 @@
           <a:p>
             <a:fld id="{B1968A38-0C6D-4B4E-8C1A-47A20DE5FB81}" type="datetimeFigureOut">
               <a:rPr lang="ko-KR" altLang="en-US" smtClean="0"/>
-              <a:t>2021-01-12</a:t>
+              <a:t>2021-01-27</a:t>
             </a:fld>
             <a:endParaRPr lang="ko-KR" altLang="en-US"/>
           </a:p>
@@ -4886,7 +4886,7 @@
         </p:blipFill>
         <p:spPr>
           <a:xfrm>
-            <a:off x="2478698" y="2022230"/>
+            <a:off x="2363892" y="2223013"/>
             <a:ext cx="3168810" cy="1374897"/>
           </a:xfrm>
           <a:prstGeom prst="rect">
@@ -4973,7 +4973,7 @@
         <p:spPr>
           <a:xfrm>
             <a:off x="3707425" y="1385490"/>
-            <a:ext cx="0" cy="1014810"/>
+            <a:ext cx="297382" cy="759631"/>
           </a:xfrm>
           <a:prstGeom prst="straightConnector1">
             <a:avLst/>
@@ -5007,9 +5007,9 @@
           <p:nvPr/>
         </p:nvCxnSpPr>
         <p:spPr>
-          <a:xfrm>
-            <a:off x="4557349" y="1696151"/>
-            <a:ext cx="0" cy="704149"/>
+          <a:xfrm flipH="1">
+            <a:off x="4039334" y="1696151"/>
+            <a:ext cx="518015" cy="448970"/>
           </a:xfrm>
           <a:prstGeom prst="straightConnector1">
             <a:avLst/>
@@ -5438,6 +5438,36 @@
           </a:prstGeom>
         </p:spPr>
       </p:pic>
+      <p:sp>
+        <p:nvSpPr>
+          <p:cNvPr id="9" name="TextBox 8"/>
+          <p:cNvSpPr txBox="1"/>
+          <p:nvPr/>
+        </p:nvSpPr>
+        <p:spPr>
+          <a:xfrm>
+            <a:off x="1652843" y="2911883"/>
+            <a:ext cx="800219" cy="338554"/>
+          </a:xfrm>
+          <a:prstGeom prst="rect">
+            <a:avLst/>
+          </a:prstGeom>
+          <a:noFill/>
+        </p:spPr>
+        <p:txBody>
+          <a:bodyPr wrap="none" rtlCol="0">
+            <a:spAutoFit/>
+          </a:bodyPr>
+          <a:lstStyle/>
+          <a:p>
+            <a:r>
+              <a:rPr lang="ko-KR" altLang="en-US" sz="1600" b="1" dirty="0" smtClean="0"/>
+              <a:t>동의어</a:t>
+            </a:r>
+            <a:endParaRPr lang="ko-KR" altLang="en-US" sz="1600" b="1" dirty="0"/>
+          </a:p>
+        </p:txBody>
+      </p:sp>
     </p:spTree>
     <p:extLst>
       <p:ext uri="{BB962C8B-B14F-4D97-AF65-F5344CB8AC3E}">

--- a/Lectures/DddInPractice/Docs/Domain-Driven Design in Practice.pptx
+++ b/Lectures/DddInPractice/Docs/Domain-Driven Design in Practice.pptx
@@ -9,6 +9,7 @@
     <p:sldId id="256" r:id="rId3"/>
     <p:sldId id="258" r:id="rId4"/>
     <p:sldId id="259" r:id="rId5"/>
+    <p:sldId id="260" r:id="rId6"/>
   </p:sldIdLst>
   <p:sldSz cx="12192000" cy="6858000"/>
   <p:notesSz cx="6858000" cy="9144000"/>
@@ -246,7 +247,7 @@
           <a:p>
             <a:fld id="{B1968A38-0C6D-4B4E-8C1A-47A20DE5FB81}" type="datetimeFigureOut">
               <a:rPr lang="ko-KR" altLang="en-US" smtClean="0"/>
-              <a:t>2021-01-27</a:t>
+              <a:t>2021-01-30</a:t>
             </a:fld>
             <a:endParaRPr lang="ko-KR" altLang="en-US"/>
           </a:p>
@@ -416,7 +417,7 @@
           <a:p>
             <a:fld id="{B1968A38-0C6D-4B4E-8C1A-47A20DE5FB81}" type="datetimeFigureOut">
               <a:rPr lang="ko-KR" altLang="en-US" smtClean="0"/>
-              <a:t>2021-01-27</a:t>
+              <a:t>2021-01-30</a:t>
             </a:fld>
             <a:endParaRPr lang="ko-KR" altLang="en-US"/>
           </a:p>
@@ -596,7 +597,7 @@
           <a:p>
             <a:fld id="{B1968A38-0C6D-4B4E-8C1A-47A20DE5FB81}" type="datetimeFigureOut">
               <a:rPr lang="ko-KR" altLang="en-US" smtClean="0"/>
-              <a:t>2021-01-27</a:t>
+              <a:t>2021-01-30</a:t>
             </a:fld>
             <a:endParaRPr lang="ko-KR" altLang="en-US"/>
           </a:p>
@@ -766,7 +767,7 @@
           <a:p>
             <a:fld id="{B1968A38-0C6D-4B4E-8C1A-47A20DE5FB81}" type="datetimeFigureOut">
               <a:rPr lang="ko-KR" altLang="en-US" smtClean="0"/>
-              <a:t>2021-01-27</a:t>
+              <a:t>2021-01-30</a:t>
             </a:fld>
             <a:endParaRPr lang="ko-KR" altLang="en-US"/>
           </a:p>
@@ -1012,7 +1013,7 @@
           <a:p>
             <a:fld id="{B1968A38-0C6D-4B4E-8C1A-47A20DE5FB81}" type="datetimeFigureOut">
               <a:rPr lang="ko-KR" altLang="en-US" smtClean="0"/>
-              <a:t>2021-01-27</a:t>
+              <a:t>2021-01-30</a:t>
             </a:fld>
             <a:endParaRPr lang="ko-KR" altLang="en-US"/>
           </a:p>
@@ -1244,7 +1245,7 @@
           <a:p>
             <a:fld id="{B1968A38-0C6D-4B4E-8C1A-47A20DE5FB81}" type="datetimeFigureOut">
               <a:rPr lang="ko-KR" altLang="en-US" smtClean="0"/>
-              <a:t>2021-01-27</a:t>
+              <a:t>2021-01-30</a:t>
             </a:fld>
             <a:endParaRPr lang="ko-KR" altLang="en-US"/>
           </a:p>
@@ -1611,7 +1612,7 @@
           <a:p>
             <a:fld id="{B1968A38-0C6D-4B4E-8C1A-47A20DE5FB81}" type="datetimeFigureOut">
               <a:rPr lang="ko-KR" altLang="en-US" smtClean="0"/>
-              <a:t>2021-01-27</a:t>
+              <a:t>2021-01-30</a:t>
             </a:fld>
             <a:endParaRPr lang="ko-KR" altLang="en-US"/>
           </a:p>
@@ -1729,7 +1730,7 @@
           <a:p>
             <a:fld id="{B1968A38-0C6D-4B4E-8C1A-47A20DE5FB81}" type="datetimeFigureOut">
               <a:rPr lang="ko-KR" altLang="en-US" smtClean="0"/>
-              <a:t>2021-01-27</a:t>
+              <a:t>2021-01-30</a:t>
             </a:fld>
             <a:endParaRPr lang="ko-KR" altLang="en-US"/>
           </a:p>
@@ -1824,7 +1825,7 @@
           <a:p>
             <a:fld id="{B1968A38-0C6D-4B4E-8C1A-47A20DE5FB81}" type="datetimeFigureOut">
               <a:rPr lang="ko-KR" altLang="en-US" smtClean="0"/>
-              <a:t>2021-01-27</a:t>
+              <a:t>2021-01-30</a:t>
             </a:fld>
             <a:endParaRPr lang="ko-KR" altLang="en-US"/>
           </a:p>
@@ -2101,7 +2102,7 @@
           <a:p>
             <a:fld id="{B1968A38-0C6D-4B4E-8C1A-47A20DE5FB81}" type="datetimeFigureOut">
               <a:rPr lang="ko-KR" altLang="en-US" smtClean="0"/>
-              <a:t>2021-01-27</a:t>
+              <a:t>2021-01-30</a:t>
             </a:fld>
             <a:endParaRPr lang="ko-KR" altLang="en-US"/>
           </a:p>
@@ -2354,7 +2355,7 @@
           <a:p>
             <a:fld id="{B1968A38-0C6D-4B4E-8C1A-47A20DE5FB81}" type="datetimeFigureOut">
               <a:rPr lang="ko-KR" altLang="en-US" smtClean="0"/>
-              <a:t>2021-01-27</a:t>
+              <a:t>2021-01-30</a:t>
             </a:fld>
             <a:endParaRPr lang="ko-KR" altLang="en-US"/>
           </a:p>
@@ -2567,7 +2568,7 @@
           <a:p>
             <a:fld id="{B1968A38-0C6D-4B4E-8C1A-47A20DE5FB81}" type="datetimeFigureOut">
               <a:rPr lang="ko-KR" altLang="en-US" smtClean="0"/>
-              <a:t>2021-01-27</a:t>
+              <a:t>2021-01-30</a:t>
             </a:fld>
             <a:endParaRPr lang="ko-KR" altLang="en-US"/>
           </a:p>
@@ -5816,8 +5817,8 @@
         </p:nvSpPr>
         <p:spPr>
           <a:xfrm>
-            <a:off x="8385023" y="1943096"/>
-            <a:ext cx="545124" cy="547161"/>
+            <a:off x="8420421" y="1943096"/>
+            <a:ext cx="744274" cy="547161"/>
           </a:xfrm>
           <a:prstGeom prst="ellipse">
             <a:avLst/>
@@ -5861,7 +5862,7 @@
         <p:spPr>
           <a:xfrm>
             <a:off x="8280627" y="3075980"/>
-            <a:ext cx="629463" cy="632531"/>
+            <a:ext cx="884068" cy="632531"/>
           </a:xfrm>
           <a:prstGeom prst="ellipse">
             <a:avLst/>
@@ -5960,8 +5961,8 @@
         </p:nvCxnSpPr>
         <p:spPr>
           <a:xfrm flipV="1">
-            <a:off x="8228432" y="2410127"/>
-            <a:ext cx="236423" cy="154417"/>
+            <a:off x="8263830" y="2410127"/>
+            <a:ext cx="265587" cy="154418"/>
           </a:xfrm>
           <a:prstGeom prst="straightConnector1">
             <a:avLst/>
@@ -7112,10 +7113,880 @@
           </a:p>
         </p:txBody>
       </p:sp>
+      <p:cxnSp>
+        <p:nvCxnSpPr>
+          <p:cNvPr id="53" name="직선 연결선 52"/>
+          <p:cNvCxnSpPr/>
+          <p:nvPr/>
+        </p:nvCxnSpPr>
+        <p:spPr>
+          <a:xfrm>
+            <a:off x="8301020" y="3527546"/>
+            <a:ext cx="843283" cy="0"/>
+          </a:xfrm>
+          <a:prstGeom prst="line">
+            <a:avLst/>
+          </a:prstGeom>
+          <a:ln w="38100">
+            <a:solidFill>
+              <a:srgbClr val="0070C0"/>
+            </a:solidFill>
+          </a:ln>
+        </p:spPr>
+        <p:style>
+          <a:lnRef idx="1">
+            <a:schemeClr val="accent1"/>
+          </a:lnRef>
+          <a:fillRef idx="0">
+            <a:schemeClr val="accent1"/>
+          </a:fillRef>
+          <a:effectRef idx="0">
+            <a:schemeClr val="accent1"/>
+          </a:effectRef>
+          <a:fontRef idx="minor">
+            <a:schemeClr val="tx1"/>
+          </a:fontRef>
+        </p:style>
+      </p:cxnSp>
+      <p:cxnSp>
+        <p:nvCxnSpPr>
+          <p:cNvPr id="56" name="직선 연결선 55"/>
+          <p:cNvCxnSpPr/>
+          <p:nvPr/>
+        </p:nvCxnSpPr>
+        <p:spPr>
+          <a:xfrm>
+            <a:off x="8450191" y="2305392"/>
+            <a:ext cx="684735" cy="0"/>
+          </a:xfrm>
+          <a:prstGeom prst="line">
+            <a:avLst/>
+          </a:prstGeom>
+          <a:ln w="38100">
+            <a:solidFill>
+              <a:srgbClr val="0070C0"/>
+            </a:solidFill>
+          </a:ln>
+        </p:spPr>
+        <p:style>
+          <a:lnRef idx="1">
+            <a:schemeClr val="accent1"/>
+          </a:lnRef>
+          <a:fillRef idx="0">
+            <a:schemeClr val="accent1"/>
+          </a:fillRef>
+          <a:effectRef idx="0">
+            <a:schemeClr val="accent1"/>
+          </a:effectRef>
+          <a:fontRef idx="minor">
+            <a:schemeClr val="tx1"/>
+          </a:fontRef>
+        </p:style>
+      </p:cxnSp>
     </p:spTree>
     <p:extLst>
       <p:ext uri="{BB962C8B-B14F-4D97-AF65-F5344CB8AC3E}">
         <p14:creationId xmlns:p14="http://schemas.microsoft.com/office/powerpoint/2010/main" val="4170650758"/>
+      </p:ext>
+    </p:extLst>
+  </p:cSld>
+  <p:clrMapOvr>
+    <a:masterClrMapping/>
+  </p:clrMapOvr>
+</p:sld>
+</file>
+
+<file path=ppt/slides/slide5.xml><?xml version="1.0" encoding="utf-8"?>
+<p:sld xmlns:a="http://schemas.openxmlformats.org/drawingml/2006/main" xmlns:r="http://schemas.openxmlformats.org/officeDocument/2006/relationships" xmlns:p="http://schemas.openxmlformats.org/presentationml/2006/main">
+  <p:cSld>
+    <p:spTree>
+      <p:nvGrpSpPr>
+        <p:cNvPr id="1" name=""/>
+        <p:cNvGrpSpPr/>
+        <p:nvPr/>
+      </p:nvGrpSpPr>
+      <p:grpSpPr>
+        <a:xfrm>
+          <a:off x="0" y="0"/>
+          <a:ext cx="0" cy="0"/>
+          <a:chOff x="0" y="0"/>
+          <a:chExt cx="0" cy="0"/>
+        </a:xfrm>
+      </p:grpSpPr>
+      <p:pic>
+        <p:nvPicPr>
+          <p:cNvPr id="4" name="그림 3"/>
+          <p:cNvPicPr>
+            <a:picLocks noChangeAspect="1"/>
+          </p:cNvPicPr>
+          <p:nvPr/>
+        </p:nvPicPr>
+        <p:blipFill>
+          <a:blip r:embed="rId2"/>
+          <a:stretch>
+            <a:fillRect/>
+          </a:stretch>
+        </p:blipFill>
+        <p:spPr>
+          <a:xfrm>
+            <a:off x="577158" y="367797"/>
+            <a:ext cx="7535270" cy="6122407"/>
+          </a:xfrm>
+          <a:prstGeom prst="rect">
+            <a:avLst/>
+          </a:prstGeom>
+        </p:spPr>
+      </p:pic>
+      <p:sp>
+        <p:nvSpPr>
+          <p:cNvPr id="5" name="오른쪽 화살표 4"/>
+          <p:cNvSpPr/>
+          <p:nvPr/>
+        </p:nvSpPr>
+        <p:spPr>
+          <a:xfrm rot="10800000">
+            <a:off x="5243812" y="1276977"/>
+            <a:ext cx="939013" cy="321580"/>
+          </a:xfrm>
+          <a:prstGeom prst="rightArrow">
+            <a:avLst>
+              <a:gd name="adj1" fmla="val 77778"/>
+              <a:gd name="adj2" fmla="val 50000"/>
+            </a:avLst>
+          </a:prstGeom>
+          <a:solidFill>
+            <a:schemeClr val="accent4">
+              <a:lumMod val="20000"/>
+              <a:lumOff val="80000"/>
+            </a:schemeClr>
+          </a:solidFill>
+          <a:ln>
+            <a:solidFill>
+              <a:schemeClr val="accent4">
+                <a:lumMod val="20000"/>
+                <a:lumOff val="80000"/>
+              </a:schemeClr>
+            </a:solidFill>
+          </a:ln>
+        </p:spPr>
+        <p:style>
+          <a:lnRef idx="2">
+            <a:schemeClr val="accent1">
+              <a:shade val="50000"/>
+            </a:schemeClr>
+          </a:lnRef>
+          <a:fillRef idx="1">
+            <a:schemeClr val="accent1"/>
+          </a:fillRef>
+          <a:effectRef idx="0">
+            <a:schemeClr val="accent1"/>
+          </a:effectRef>
+          <a:fontRef idx="minor">
+            <a:schemeClr val="lt1"/>
+          </a:fontRef>
+        </p:style>
+        <p:txBody>
+          <a:bodyPr rtlCol="0" anchor="ctr"/>
+          <a:lstStyle/>
+          <a:p>
+            <a:pPr algn="ctr"/>
+            <a:endParaRPr lang="ko-KR" altLang="en-US"/>
+          </a:p>
+        </p:txBody>
+      </p:sp>
+      <p:sp>
+        <p:nvSpPr>
+          <p:cNvPr id="6" name="직사각형 5"/>
+          <p:cNvSpPr/>
+          <p:nvPr/>
+        </p:nvSpPr>
+        <p:spPr>
+          <a:xfrm>
+            <a:off x="5982148" y="1050766"/>
+            <a:ext cx="5896853" cy="774000"/>
+          </a:xfrm>
+          <a:prstGeom prst="rect">
+            <a:avLst/>
+          </a:prstGeom>
+          <a:solidFill>
+            <a:schemeClr val="accent4">
+              <a:lumMod val="20000"/>
+              <a:lumOff val="80000"/>
+            </a:schemeClr>
+          </a:solidFill>
+        </p:spPr>
+        <p:txBody>
+          <a:bodyPr wrap="square" anchor="ctr" anchorCtr="0">
+            <a:noAutofit/>
+          </a:bodyPr>
+          <a:lstStyle/>
+          <a:p>
+            <a:r>
+              <a:rPr lang="ko-KR" altLang="en-US" sz="1400" b="1" dirty="0" smtClean="0"/>
+              <a:t>public </a:t>
+            </a:r>
+            <a:r>
+              <a:rPr lang="en-US" altLang="ko-KR" sz="1400" b="1" dirty="0" smtClean="0">
+                <a:solidFill>
+                  <a:srgbClr val="C00000"/>
+                </a:solidFill>
+              </a:rPr>
+              <a:t>Money</a:t>
+            </a:r>
+            <a:r>
+              <a:rPr lang="ko-KR" altLang="en-US" sz="1400" b="1" dirty="0" smtClean="0"/>
+              <a:t> MoneyInTransaction =&gt; </a:t>
+            </a:r>
+            <a:r>
+              <a:rPr lang="ko-KR" altLang="en-US" sz="1400" b="1" dirty="0" smtClean="0">
+                <a:solidFill>
+                  <a:srgbClr val="00B050"/>
+                </a:solidFill>
+              </a:rPr>
+              <a:t>_snackMachine</a:t>
+            </a:r>
+            <a:endParaRPr lang="en-US" altLang="ko-KR" sz="1400" b="1" dirty="0" smtClean="0">
+              <a:solidFill>
+                <a:srgbClr val="00B050"/>
+              </a:solidFill>
+            </a:endParaRPr>
+          </a:p>
+          <a:p>
+            <a:r>
+              <a:rPr lang="en-US" altLang="ko-KR" sz="1400" b="1" dirty="0"/>
+              <a:t>	</a:t>
+            </a:r>
+            <a:r>
+              <a:rPr lang="en-US" altLang="ko-KR" sz="1400" b="1" dirty="0" smtClean="0"/>
+              <a:t>			</a:t>
+            </a:r>
+            <a:r>
+              <a:rPr lang="ko-KR" altLang="en-US" sz="1400" b="1" dirty="0" smtClean="0">
+                <a:solidFill>
+                  <a:srgbClr val="0070C0"/>
+                </a:solidFill>
+              </a:rPr>
+              <a:t>.MoneyInTransaction</a:t>
+            </a:r>
+            <a:r>
+              <a:rPr lang="en-US" altLang="ko-KR" sz="1400" b="1" dirty="0" smtClean="0"/>
+              <a:t>;</a:t>
+            </a:r>
+          </a:p>
+        </p:txBody>
+      </p:sp>
+      <p:sp>
+        <p:nvSpPr>
+          <p:cNvPr id="7" name="직사각형 6"/>
+          <p:cNvSpPr/>
+          <p:nvPr/>
+        </p:nvSpPr>
+        <p:spPr>
+          <a:xfrm>
+            <a:off x="5982148" y="3601274"/>
+            <a:ext cx="5896853" cy="772532"/>
+          </a:xfrm>
+          <a:prstGeom prst="rect">
+            <a:avLst/>
+          </a:prstGeom>
+          <a:solidFill>
+            <a:schemeClr val="accent4">
+              <a:lumMod val="20000"/>
+              <a:lumOff val="80000"/>
+            </a:schemeClr>
+          </a:solidFill>
+          <a:ln>
+            <a:solidFill>
+              <a:schemeClr val="accent4">
+                <a:lumMod val="20000"/>
+                <a:lumOff val="80000"/>
+              </a:schemeClr>
+            </a:solidFill>
+          </a:ln>
+        </p:spPr>
+        <p:txBody>
+          <a:bodyPr wrap="square" anchor="ctr" anchorCtr="0">
+            <a:noAutofit/>
+          </a:bodyPr>
+          <a:lstStyle/>
+          <a:p>
+            <a:r>
+              <a:rPr lang="ko-KR" altLang="en-US" sz="1400" b="1" dirty="0" smtClean="0"/>
+              <a:t>p</a:t>
+            </a:r>
+            <a:r>
+              <a:rPr lang="en-US" altLang="ko-KR" sz="1400" b="1" dirty="0" smtClean="0"/>
+              <a:t>p</a:t>
+            </a:r>
+            <a:r>
+              <a:rPr lang="ko-KR" altLang="en-US" sz="1400" b="1" dirty="0" smtClean="0"/>
+              <a:t>ublic </a:t>
+            </a:r>
+            <a:r>
+              <a:rPr lang="ko-KR" altLang="en-US" sz="1400" b="1" dirty="0" smtClean="0">
+                <a:solidFill>
+                  <a:srgbClr val="C00000"/>
+                </a:solidFill>
+              </a:rPr>
+              <a:t>Money</a:t>
+            </a:r>
+            <a:r>
+              <a:rPr lang="ko-KR" altLang="en-US" sz="1400" b="1" dirty="0" smtClean="0"/>
+              <a:t> MoneyInside =&gt; </a:t>
+            </a:r>
+            <a:r>
+              <a:rPr lang="ko-KR" altLang="en-US" sz="1400" b="1" dirty="0" smtClean="0">
+                <a:solidFill>
+                  <a:srgbClr val="00B050"/>
+                </a:solidFill>
+              </a:rPr>
+              <a:t>_snackMachine</a:t>
+            </a:r>
+            <a:r>
+              <a:rPr lang="ko-KR" altLang="en-US" sz="1400" b="1" dirty="0" smtClean="0">
+                <a:solidFill>
+                  <a:srgbClr val="0070C0"/>
+                </a:solidFill>
+              </a:rPr>
+              <a:t>.MoneyInside</a:t>
+            </a:r>
+            <a:r>
+              <a:rPr lang="ko-KR" altLang="en-US" sz="1400" b="1" dirty="0" smtClean="0"/>
+              <a:t> </a:t>
+            </a:r>
+            <a:endParaRPr lang="en-US" altLang="ko-KR" sz="1400" b="1" dirty="0" smtClean="0"/>
+          </a:p>
+          <a:p>
+            <a:r>
+              <a:rPr lang="en-US" altLang="ko-KR" sz="1400" b="1" dirty="0"/>
+              <a:t>	</a:t>
+            </a:r>
+            <a:r>
+              <a:rPr lang="en-US" altLang="ko-KR" sz="1400" b="1" dirty="0" smtClean="0"/>
+              <a:t>	</a:t>
+            </a:r>
+            <a:r>
+              <a:rPr lang="ko-KR" altLang="en-US" sz="1400" b="1" dirty="0" smtClean="0"/>
+              <a:t>+ </a:t>
+            </a:r>
+            <a:r>
+              <a:rPr lang="ko-KR" altLang="en-US" sz="1400" b="1" dirty="0" smtClean="0">
+                <a:solidFill>
+                  <a:srgbClr val="00B050"/>
+                </a:solidFill>
+              </a:rPr>
+              <a:t>_snackMachine</a:t>
+            </a:r>
+            <a:r>
+              <a:rPr lang="ko-KR" altLang="en-US" sz="1400" b="1" dirty="0" smtClean="0">
+                <a:solidFill>
+                  <a:srgbClr val="0070C0"/>
+                </a:solidFill>
+              </a:rPr>
+              <a:t>.MoneyInTransaction</a:t>
+            </a:r>
+            <a:r>
+              <a:rPr lang="ko-KR" altLang="en-US" sz="1400" b="1" dirty="0" smtClean="0"/>
+              <a:t>;</a:t>
+            </a:r>
+            <a:endParaRPr lang="ko-KR" altLang="en-US" sz="1400" b="1" dirty="0"/>
+          </a:p>
+        </p:txBody>
+      </p:sp>
+      <p:sp>
+        <p:nvSpPr>
+          <p:cNvPr id="8" name="오른쪽 화살표 7"/>
+          <p:cNvSpPr/>
+          <p:nvPr/>
+        </p:nvSpPr>
+        <p:spPr>
+          <a:xfrm rot="10800000">
+            <a:off x="5243812" y="3826750"/>
+            <a:ext cx="939013" cy="321580"/>
+          </a:xfrm>
+          <a:prstGeom prst="rightArrow">
+            <a:avLst>
+              <a:gd name="adj1" fmla="val 77778"/>
+              <a:gd name="adj2" fmla="val 50000"/>
+            </a:avLst>
+          </a:prstGeom>
+          <a:solidFill>
+            <a:schemeClr val="accent4">
+              <a:lumMod val="20000"/>
+              <a:lumOff val="80000"/>
+            </a:schemeClr>
+          </a:solidFill>
+          <a:ln>
+            <a:solidFill>
+              <a:schemeClr val="accent4">
+                <a:lumMod val="20000"/>
+                <a:lumOff val="80000"/>
+              </a:schemeClr>
+            </a:solidFill>
+          </a:ln>
+        </p:spPr>
+        <p:style>
+          <a:lnRef idx="2">
+            <a:schemeClr val="accent1">
+              <a:shade val="50000"/>
+            </a:schemeClr>
+          </a:lnRef>
+          <a:fillRef idx="1">
+            <a:schemeClr val="accent1"/>
+          </a:fillRef>
+          <a:effectRef idx="0">
+            <a:schemeClr val="accent1"/>
+          </a:effectRef>
+          <a:fontRef idx="minor">
+            <a:schemeClr val="lt1"/>
+          </a:fontRef>
+        </p:style>
+        <p:txBody>
+          <a:bodyPr rtlCol="0" anchor="ctr"/>
+          <a:lstStyle/>
+          <a:p>
+            <a:pPr algn="ctr"/>
+            <a:endParaRPr lang="ko-KR" altLang="en-US"/>
+          </a:p>
+        </p:txBody>
+      </p:sp>
+      <p:sp>
+        <p:nvSpPr>
+          <p:cNvPr id="9" name="직사각형 8"/>
+          <p:cNvSpPr/>
+          <p:nvPr/>
+        </p:nvSpPr>
+        <p:spPr>
+          <a:xfrm>
+            <a:off x="7235354" y="5217842"/>
+            <a:ext cx="4643647" cy="772532"/>
+          </a:xfrm>
+          <a:prstGeom prst="rect">
+            <a:avLst/>
+          </a:prstGeom>
+          <a:solidFill>
+            <a:schemeClr val="accent4">
+              <a:lumMod val="20000"/>
+              <a:lumOff val="80000"/>
+            </a:schemeClr>
+          </a:solidFill>
+          <a:ln>
+            <a:solidFill>
+              <a:schemeClr val="accent4">
+                <a:lumMod val="20000"/>
+                <a:lumOff val="80000"/>
+              </a:schemeClr>
+            </a:solidFill>
+          </a:ln>
+        </p:spPr>
+        <p:txBody>
+          <a:bodyPr wrap="square" anchor="ctr" anchorCtr="0">
+            <a:noAutofit/>
+          </a:bodyPr>
+          <a:lstStyle/>
+          <a:p>
+            <a:r>
+              <a:rPr lang="en-US" altLang="ko-KR" sz="1400" dirty="0" smtClean="0"/>
+              <a:t>{Binding </a:t>
+            </a:r>
+            <a:r>
+              <a:rPr lang="en-US" altLang="ko-KR" sz="1400" b="1" dirty="0" err="1" smtClean="0">
+                <a:solidFill>
+                  <a:srgbClr val="0070C0"/>
+                </a:solidFill>
+              </a:rPr>
+              <a:t>MoneyInside</a:t>
+            </a:r>
+            <a:r>
+              <a:rPr lang="en-US" altLang="ko-KR" sz="1400" b="1" dirty="0" err="1" smtClean="0"/>
+              <a:t>.TwentyDollarCount</a:t>
+            </a:r>
+            <a:r>
+              <a:rPr lang="en-US" altLang="ko-KR" sz="1400" dirty="0" smtClean="0"/>
+              <a:t>}</a:t>
+            </a:r>
+            <a:endParaRPr lang="ko-KR" altLang="en-US" sz="1400" dirty="0"/>
+          </a:p>
+        </p:txBody>
+      </p:sp>
+      <p:sp>
+        <p:nvSpPr>
+          <p:cNvPr id="10" name="오른쪽 화살표 9"/>
+          <p:cNvSpPr/>
+          <p:nvPr/>
+        </p:nvSpPr>
+        <p:spPr>
+          <a:xfrm rot="10800000">
+            <a:off x="6385180" y="5443318"/>
+            <a:ext cx="939013" cy="321580"/>
+          </a:xfrm>
+          <a:prstGeom prst="rightArrow">
+            <a:avLst>
+              <a:gd name="adj1" fmla="val 77778"/>
+              <a:gd name="adj2" fmla="val 50000"/>
+            </a:avLst>
+          </a:prstGeom>
+          <a:solidFill>
+            <a:schemeClr val="accent4">
+              <a:lumMod val="20000"/>
+              <a:lumOff val="80000"/>
+            </a:schemeClr>
+          </a:solidFill>
+          <a:ln>
+            <a:solidFill>
+              <a:schemeClr val="accent4">
+                <a:lumMod val="20000"/>
+                <a:lumOff val="80000"/>
+              </a:schemeClr>
+            </a:solidFill>
+          </a:ln>
+        </p:spPr>
+        <p:style>
+          <a:lnRef idx="2">
+            <a:schemeClr val="accent1">
+              <a:shade val="50000"/>
+            </a:schemeClr>
+          </a:lnRef>
+          <a:fillRef idx="1">
+            <a:schemeClr val="accent1"/>
+          </a:fillRef>
+          <a:effectRef idx="0">
+            <a:schemeClr val="accent1"/>
+          </a:effectRef>
+          <a:fontRef idx="minor">
+            <a:schemeClr val="lt1"/>
+          </a:fontRef>
+        </p:style>
+        <p:txBody>
+          <a:bodyPr rtlCol="0" anchor="ctr"/>
+          <a:lstStyle/>
+          <a:p>
+            <a:pPr algn="ctr"/>
+            <a:endParaRPr lang="ko-KR" altLang="en-US"/>
+          </a:p>
+        </p:txBody>
+      </p:sp>
+      <p:sp>
+        <p:nvSpPr>
+          <p:cNvPr id="11" name="오른쪽 화살표 10"/>
+          <p:cNvSpPr/>
+          <p:nvPr/>
+        </p:nvSpPr>
+        <p:spPr>
+          <a:xfrm>
+            <a:off x="2603005" y="3430510"/>
+            <a:ext cx="939013" cy="321580"/>
+          </a:xfrm>
+          <a:prstGeom prst="rightArrow">
+            <a:avLst>
+              <a:gd name="adj1" fmla="val 77778"/>
+              <a:gd name="adj2" fmla="val 50000"/>
+            </a:avLst>
+          </a:prstGeom>
+          <a:solidFill>
+            <a:schemeClr val="accent4">
+              <a:lumMod val="20000"/>
+              <a:lumOff val="80000"/>
+            </a:schemeClr>
+          </a:solidFill>
+          <a:ln>
+            <a:solidFill>
+              <a:schemeClr val="accent4">
+                <a:lumMod val="20000"/>
+                <a:lumOff val="80000"/>
+              </a:schemeClr>
+            </a:solidFill>
+          </a:ln>
+        </p:spPr>
+        <p:style>
+          <a:lnRef idx="2">
+            <a:schemeClr val="accent1">
+              <a:shade val="50000"/>
+            </a:schemeClr>
+          </a:lnRef>
+          <a:fillRef idx="1">
+            <a:schemeClr val="accent1"/>
+          </a:fillRef>
+          <a:effectRef idx="0">
+            <a:schemeClr val="accent1"/>
+          </a:effectRef>
+          <a:fontRef idx="minor">
+            <a:schemeClr val="lt1"/>
+          </a:fontRef>
+        </p:style>
+        <p:txBody>
+          <a:bodyPr rtlCol="0" anchor="ctr"/>
+          <a:lstStyle/>
+          <a:p>
+            <a:pPr algn="ctr"/>
+            <a:endParaRPr lang="ko-KR" altLang="en-US"/>
+          </a:p>
+        </p:txBody>
+      </p:sp>
+      <p:sp>
+        <p:nvSpPr>
+          <p:cNvPr id="12" name="직사각형 11"/>
+          <p:cNvSpPr/>
+          <p:nvPr/>
+        </p:nvSpPr>
+        <p:spPr>
+          <a:xfrm>
+            <a:off x="312999" y="3306348"/>
+            <a:ext cx="2583197" cy="569905"/>
+          </a:xfrm>
+          <a:prstGeom prst="rect">
+            <a:avLst/>
+          </a:prstGeom>
+          <a:solidFill>
+            <a:schemeClr val="accent4">
+              <a:lumMod val="20000"/>
+              <a:lumOff val="80000"/>
+            </a:schemeClr>
+          </a:solidFill>
+          <a:ln>
+            <a:solidFill>
+              <a:schemeClr val="accent4">
+                <a:lumMod val="20000"/>
+                <a:lumOff val="80000"/>
+              </a:schemeClr>
+            </a:solidFill>
+          </a:ln>
+        </p:spPr>
+        <p:txBody>
+          <a:bodyPr wrap="square" anchor="ctr" anchorCtr="0">
+            <a:noAutofit/>
+          </a:bodyPr>
+          <a:lstStyle/>
+          <a:p>
+            <a:r>
+              <a:rPr lang="en-US" altLang="ko-KR" sz="1400" dirty="0" smtClean="0"/>
+              <a:t>        public</a:t>
+            </a:r>
+            <a:r>
+              <a:rPr lang="en-US" altLang="ko-KR" sz="1400" b="1" dirty="0" smtClean="0">
+                <a:solidFill>
+                  <a:srgbClr val="C00000"/>
+                </a:solidFill>
+              </a:rPr>
+              <a:t> string </a:t>
+            </a:r>
+            <a:r>
+              <a:rPr lang="en-US" altLang="ko-KR" sz="1400" dirty="0" smtClean="0"/>
+              <a:t>Message</a:t>
+            </a:r>
+            <a:endParaRPr lang="ko-KR" altLang="en-US" sz="1400" dirty="0"/>
+          </a:p>
+        </p:txBody>
+      </p:sp>
+      <p:sp>
+        <p:nvSpPr>
+          <p:cNvPr id="13" name="위쪽/아래쪽 화살표 12"/>
+          <p:cNvSpPr/>
+          <p:nvPr/>
+        </p:nvSpPr>
+        <p:spPr>
+          <a:xfrm>
+            <a:off x="10408444" y="1700213"/>
+            <a:ext cx="521494" cy="2051877"/>
+          </a:xfrm>
+          <a:prstGeom prst="upDownArrow">
+            <a:avLst>
+              <a:gd name="adj1" fmla="val 69178"/>
+              <a:gd name="adj2" fmla="val 58219"/>
+            </a:avLst>
+          </a:prstGeom>
+          <a:solidFill>
+            <a:schemeClr val="accent1">
+              <a:lumMod val="20000"/>
+              <a:lumOff val="80000"/>
+            </a:schemeClr>
+          </a:solidFill>
+          <a:ln>
+            <a:solidFill>
+              <a:schemeClr val="accent1">
+                <a:lumMod val="20000"/>
+                <a:lumOff val="80000"/>
+              </a:schemeClr>
+            </a:solidFill>
+          </a:ln>
+        </p:spPr>
+        <p:style>
+          <a:lnRef idx="2">
+            <a:schemeClr val="accent1">
+              <a:shade val="50000"/>
+            </a:schemeClr>
+          </a:lnRef>
+          <a:fillRef idx="1">
+            <a:schemeClr val="accent1"/>
+          </a:fillRef>
+          <a:effectRef idx="0">
+            <a:schemeClr val="accent1"/>
+          </a:effectRef>
+          <a:fontRef idx="minor">
+            <a:schemeClr val="lt1"/>
+          </a:fontRef>
+        </p:style>
+        <p:txBody>
+          <a:bodyPr rtlCol="0" anchor="ctr"/>
+          <a:lstStyle/>
+          <a:p>
+            <a:pPr algn="ctr"/>
+            <a:endParaRPr lang="ko-KR" altLang="en-US"/>
+          </a:p>
+        </p:txBody>
+      </p:sp>
+      <p:sp>
+        <p:nvSpPr>
+          <p:cNvPr id="14" name="직사각형 13"/>
+          <p:cNvSpPr/>
+          <p:nvPr/>
+        </p:nvSpPr>
+        <p:spPr>
+          <a:xfrm>
+            <a:off x="9060991" y="2474213"/>
+            <a:ext cx="2694905" cy="307777"/>
+          </a:xfrm>
+          <a:prstGeom prst="rect">
+            <a:avLst/>
+          </a:prstGeom>
+        </p:spPr>
+        <p:txBody>
+          <a:bodyPr wrap="none">
+            <a:spAutoFit/>
+          </a:bodyPr>
+          <a:lstStyle/>
+          <a:p>
+            <a:r>
+              <a:rPr lang="en-US" altLang="ko-KR" sz="1400" b="1" dirty="0" smtClean="0">
+                <a:solidFill>
+                  <a:srgbClr val="0070C0"/>
+                </a:solidFill>
+              </a:rPr>
+              <a:t>Value Object</a:t>
+            </a:r>
+            <a:r>
+              <a:rPr lang="ko-KR" altLang="en-US" sz="1400" b="1" dirty="0" smtClean="0">
+                <a:solidFill>
+                  <a:srgbClr val="0070C0"/>
+                </a:solidFill>
+              </a:rPr>
+              <a:t>가 노출되어 있다</a:t>
+            </a:r>
+            <a:r>
+              <a:rPr lang="en-US" altLang="ko-KR" sz="1400" b="1" dirty="0" smtClean="0">
+                <a:solidFill>
+                  <a:srgbClr val="0070C0"/>
+                </a:solidFill>
+              </a:rPr>
+              <a:t>.</a:t>
+            </a:r>
+            <a:endParaRPr lang="ko-KR" altLang="en-US" sz="1400" b="1" dirty="0">
+              <a:solidFill>
+                <a:srgbClr val="0070C0"/>
+              </a:solidFill>
+            </a:endParaRPr>
+          </a:p>
+        </p:txBody>
+      </p:sp>
+      <p:sp>
+        <p:nvSpPr>
+          <p:cNvPr id="15" name="아래쪽 화살표 14"/>
+          <p:cNvSpPr/>
+          <p:nvPr/>
+        </p:nvSpPr>
+        <p:spPr>
+          <a:xfrm>
+            <a:off x="9772649" y="231482"/>
+            <a:ext cx="578644" cy="968901"/>
+          </a:xfrm>
+          <a:prstGeom prst="downArrow">
+            <a:avLst>
+              <a:gd name="adj1" fmla="val 67284"/>
+              <a:gd name="adj2" fmla="val 50000"/>
+            </a:avLst>
+          </a:prstGeom>
+          <a:solidFill>
+            <a:schemeClr val="accent6">
+              <a:lumMod val="20000"/>
+              <a:lumOff val="80000"/>
+            </a:schemeClr>
+          </a:solidFill>
+          <a:ln>
+            <a:solidFill>
+              <a:schemeClr val="accent6">
+                <a:lumMod val="20000"/>
+                <a:lumOff val="80000"/>
+              </a:schemeClr>
+            </a:solidFill>
+          </a:ln>
+        </p:spPr>
+        <p:style>
+          <a:lnRef idx="2">
+            <a:schemeClr val="accent1">
+              <a:shade val="50000"/>
+            </a:schemeClr>
+          </a:lnRef>
+          <a:fillRef idx="1">
+            <a:schemeClr val="accent1"/>
+          </a:fillRef>
+          <a:effectRef idx="0">
+            <a:schemeClr val="accent1"/>
+          </a:effectRef>
+          <a:fontRef idx="minor">
+            <a:schemeClr val="lt1"/>
+          </a:fontRef>
+        </p:style>
+        <p:txBody>
+          <a:bodyPr rtlCol="0" anchor="ctr"/>
+          <a:lstStyle/>
+          <a:p>
+            <a:pPr algn="ctr"/>
+            <a:endParaRPr lang="ko-KR" altLang="en-US"/>
+          </a:p>
+        </p:txBody>
+      </p:sp>
+      <p:sp>
+        <p:nvSpPr>
+          <p:cNvPr id="16" name="TextBox 15"/>
+          <p:cNvSpPr txBox="1"/>
+          <p:nvPr/>
+        </p:nvSpPr>
+        <p:spPr>
+          <a:xfrm>
+            <a:off x="9725180" y="369258"/>
+            <a:ext cx="673582" cy="307777"/>
+          </a:xfrm>
+          <a:prstGeom prst="rect">
+            <a:avLst/>
+          </a:prstGeom>
+          <a:noFill/>
+        </p:spPr>
+        <p:txBody>
+          <a:bodyPr wrap="none" rtlCol="0">
+            <a:spAutoFit/>
+          </a:bodyPr>
+          <a:lstStyle/>
+          <a:p>
+            <a:r>
+              <a:rPr lang="en-US" altLang="ko-KR" sz="1400" b="1" dirty="0" smtClean="0">
+                <a:solidFill>
+                  <a:srgbClr val="00B050"/>
+                </a:solidFill>
+              </a:rPr>
+              <a:t>Entity</a:t>
+            </a:r>
+            <a:endParaRPr lang="ko-KR" altLang="en-US" sz="1400" b="1" dirty="0">
+              <a:solidFill>
+                <a:srgbClr val="00B050"/>
+              </a:solidFill>
+            </a:endParaRPr>
+          </a:p>
+        </p:txBody>
+      </p:sp>
+    </p:spTree>
+    <p:extLst>
+      <p:ext uri="{BB962C8B-B14F-4D97-AF65-F5344CB8AC3E}">
+        <p14:creationId xmlns:p14="http://schemas.microsoft.com/office/powerpoint/2010/main" val="2921665169"/>
       </p:ext>
     </p:extLst>
   </p:cSld>

--- a/Lectures/DddInPractice/Docs/Domain-Driven Design in Practice.pptx
+++ b/Lectures/DddInPractice/Docs/Domain-Driven Design in Practice.pptx
@@ -5479,6 +5479,13 @@
   <p:clrMapOvr>
     <a:masterClrMapping/>
   </p:clrMapOvr>
+  <p:timing>
+    <p:tnLst>
+      <p:par>
+        <p:cTn id="1" dur="indefinite" restart="never" nodeType="tmRoot"/>
+      </p:par>
+    </p:tnLst>
+  </p:timing>
 </p:sld>
 </file>
 
@@ -7193,6 +7200,13 @@
   <p:clrMapOvr>
     <a:masterClrMapping/>
   </p:clrMapOvr>
+  <p:timing>
+    <p:tnLst>
+      <p:par>
+        <p:cTn id="1" dur="indefinite" restart="never" nodeType="tmRoot"/>
+      </p:par>
+    </p:tnLst>
+  </p:timing>
 </p:sld>
 </file>
 
@@ -7993,6 +8007,13 @@
   <p:clrMapOvr>
     <a:masterClrMapping/>
   </p:clrMapOvr>
+  <p:timing>
+    <p:tnLst>
+      <p:par>
+        <p:cTn id="1" dur="indefinite" restart="never" nodeType="tmRoot"/>
+      </p:par>
+    </p:tnLst>
+  </p:timing>
 </p:sld>
 </file>
 

--- a/Lectures/DddInPractice/Docs/Domain-Driven Design in Practice.pptx
+++ b/Lectures/DddInPractice/Docs/Domain-Driven Design in Practice.pptx
@@ -247,7 +247,7 @@
           <a:p>
             <a:fld id="{B1968A38-0C6D-4B4E-8C1A-47A20DE5FB81}" type="datetimeFigureOut">
               <a:rPr lang="ko-KR" altLang="en-US" smtClean="0"/>
-              <a:t>2021-01-30</a:t>
+              <a:t>2021-01-31</a:t>
             </a:fld>
             <a:endParaRPr lang="ko-KR" altLang="en-US"/>
           </a:p>
@@ -417,7 +417,7 @@
           <a:p>
             <a:fld id="{B1968A38-0C6D-4B4E-8C1A-47A20DE5FB81}" type="datetimeFigureOut">
               <a:rPr lang="ko-KR" altLang="en-US" smtClean="0"/>
-              <a:t>2021-01-30</a:t>
+              <a:t>2021-01-31</a:t>
             </a:fld>
             <a:endParaRPr lang="ko-KR" altLang="en-US"/>
           </a:p>
@@ -597,7 +597,7 @@
           <a:p>
             <a:fld id="{B1968A38-0C6D-4B4E-8C1A-47A20DE5FB81}" type="datetimeFigureOut">
               <a:rPr lang="ko-KR" altLang="en-US" smtClean="0"/>
-              <a:t>2021-01-30</a:t>
+              <a:t>2021-01-31</a:t>
             </a:fld>
             <a:endParaRPr lang="ko-KR" altLang="en-US"/>
           </a:p>
@@ -767,7 +767,7 @@
           <a:p>
             <a:fld id="{B1968A38-0C6D-4B4E-8C1A-47A20DE5FB81}" type="datetimeFigureOut">
               <a:rPr lang="ko-KR" altLang="en-US" smtClean="0"/>
-              <a:t>2021-01-30</a:t>
+              <a:t>2021-01-31</a:t>
             </a:fld>
             <a:endParaRPr lang="ko-KR" altLang="en-US"/>
           </a:p>
@@ -1013,7 +1013,7 @@
           <a:p>
             <a:fld id="{B1968A38-0C6D-4B4E-8C1A-47A20DE5FB81}" type="datetimeFigureOut">
               <a:rPr lang="ko-KR" altLang="en-US" smtClean="0"/>
-              <a:t>2021-01-30</a:t>
+              <a:t>2021-01-31</a:t>
             </a:fld>
             <a:endParaRPr lang="ko-KR" altLang="en-US"/>
           </a:p>
@@ -1245,7 +1245,7 @@
           <a:p>
             <a:fld id="{B1968A38-0C6D-4B4E-8C1A-47A20DE5FB81}" type="datetimeFigureOut">
               <a:rPr lang="ko-KR" altLang="en-US" smtClean="0"/>
-              <a:t>2021-01-30</a:t>
+              <a:t>2021-01-31</a:t>
             </a:fld>
             <a:endParaRPr lang="ko-KR" altLang="en-US"/>
           </a:p>
@@ -1612,7 +1612,7 @@
           <a:p>
             <a:fld id="{B1968A38-0C6D-4B4E-8C1A-47A20DE5FB81}" type="datetimeFigureOut">
               <a:rPr lang="ko-KR" altLang="en-US" smtClean="0"/>
-              <a:t>2021-01-30</a:t>
+              <a:t>2021-01-31</a:t>
             </a:fld>
             <a:endParaRPr lang="ko-KR" altLang="en-US"/>
           </a:p>
@@ -1730,7 +1730,7 @@
           <a:p>
             <a:fld id="{B1968A38-0C6D-4B4E-8C1A-47A20DE5FB81}" type="datetimeFigureOut">
               <a:rPr lang="ko-KR" altLang="en-US" smtClean="0"/>
-              <a:t>2021-01-30</a:t>
+              <a:t>2021-01-31</a:t>
             </a:fld>
             <a:endParaRPr lang="ko-KR" altLang="en-US"/>
           </a:p>
@@ -1825,7 +1825,7 @@
           <a:p>
             <a:fld id="{B1968A38-0C6D-4B4E-8C1A-47A20DE5FB81}" type="datetimeFigureOut">
               <a:rPr lang="ko-KR" altLang="en-US" smtClean="0"/>
-              <a:t>2021-01-30</a:t>
+              <a:t>2021-01-31</a:t>
             </a:fld>
             <a:endParaRPr lang="ko-KR" altLang="en-US"/>
           </a:p>
@@ -2102,7 +2102,7 @@
           <a:p>
             <a:fld id="{B1968A38-0C6D-4B4E-8C1A-47A20DE5FB81}" type="datetimeFigureOut">
               <a:rPr lang="ko-KR" altLang="en-US" smtClean="0"/>
-              <a:t>2021-01-30</a:t>
+              <a:t>2021-01-31</a:t>
             </a:fld>
             <a:endParaRPr lang="ko-KR" altLang="en-US"/>
           </a:p>
@@ -2355,7 +2355,7 @@
           <a:p>
             <a:fld id="{B1968A38-0C6D-4B4E-8C1A-47A20DE5FB81}" type="datetimeFigureOut">
               <a:rPr lang="ko-KR" altLang="en-US" smtClean="0"/>
-              <a:t>2021-01-30</a:t>
+              <a:t>2021-01-31</a:t>
             </a:fld>
             <a:endParaRPr lang="ko-KR" altLang="en-US"/>
           </a:p>
@@ -2568,7 +2568,7 @@
           <a:p>
             <a:fld id="{B1968A38-0C6D-4B4E-8C1A-47A20DE5FB81}" type="datetimeFigureOut">
               <a:rPr lang="ko-KR" altLang="en-US" smtClean="0"/>
-              <a:t>2021-01-30</a:t>
+              <a:t>2021-01-31</a:t>
             </a:fld>
             <a:endParaRPr lang="ko-KR" altLang="en-US"/>
           </a:p>
@@ -5619,7 +5619,7 @@
         <p:spPr>
           <a:xfrm>
             <a:off x="7271237" y="245783"/>
-            <a:ext cx="3894992" cy="1595968"/>
+            <a:ext cx="3295163" cy="1350189"/>
           </a:xfrm>
           <a:prstGeom prst="rect">
             <a:avLst/>
@@ -5714,7 +5714,7 @@
         </p:blipFill>
         <p:spPr>
           <a:xfrm>
-            <a:off x="7576130" y="2002049"/>
+            <a:off x="7798543" y="1805429"/>
             <a:ext cx="4135257" cy="1736177"/>
           </a:xfrm>
           <a:prstGeom prst="rect">
@@ -5738,7 +5738,7 @@
         </p:blipFill>
         <p:spPr>
           <a:xfrm>
-            <a:off x="6519330" y="2557197"/>
+            <a:off x="6741743" y="2360577"/>
             <a:ext cx="2081806" cy="397560"/>
           </a:xfrm>
           <a:prstGeom prst="rect">
@@ -5754,7 +5754,7 @@
         </p:nvCxnSpPr>
         <p:spPr>
           <a:xfrm>
-            <a:off x="7069659" y="2785210"/>
+            <a:off x="7292072" y="2588590"/>
             <a:ext cx="409392" cy="0"/>
           </a:xfrm>
           <a:prstGeom prst="line">
@@ -5789,7 +5789,7 @@
         </p:nvCxnSpPr>
         <p:spPr>
           <a:xfrm>
-            <a:off x="8055463" y="2785210"/>
+            <a:off x="8277876" y="2588590"/>
             <a:ext cx="409392" cy="0"/>
           </a:xfrm>
           <a:prstGeom prst="line">
@@ -5824,7 +5824,7 @@
         </p:nvSpPr>
         <p:spPr>
           <a:xfrm>
-            <a:off x="8420421" y="1943096"/>
+            <a:off x="8642834" y="1746476"/>
             <a:ext cx="744274" cy="547161"/>
           </a:xfrm>
           <a:prstGeom prst="ellipse">
@@ -5868,7 +5868,7 @@
         </p:nvSpPr>
         <p:spPr>
           <a:xfrm>
-            <a:off x="8280627" y="3075980"/>
+            <a:off x="8503040" y="2879360"/>
             <a:ext cx="884068" cy="632531"/>
           </a:xfrm>
           <a:prstGeom prst="ellipse">
@@ -5912,7 +5912,7 @@
         </p:nvSpPr>
         <p:spPr>
           <a:xfrm>
-            <a:off x="8509628" y="3044460"/>
+            <a:off x="8732041" y="2847840"/>
             <a:ext cx="1763624" cy="261610"/>
           </a:xfrm>
           <a:prstGeom prst="rect">
@@ -5968,7 +5968,7 @@
         </p:nvCxnSpPr>
         <p:spPr>
           <a:xfrm flipV="1">
-            <a:off x="8263830" y="2410127"/>
+            <a:off x="8486243" y="2213507"/>
             <a:ext cx="265587" cy="154418"/>
           </a:xfrm>
           <a:prstGeom prst="straightConnector1">
@@ -6004,7 +6004,7 @@
         </p:nvCxnSpPr>
         <p:spPr>
           <a:xfrm>
-            <a:off x="8246781" y="2808077"/>
+            <a:off x="8469194" y="2611457"/>
             <a:ext cx="165768" cy="269392"/>
           </a:xfrm>
           <a:prstGeom prst="straightConnector1">
@@ -6088,7 +6088,7 @@
         </p:nvSpPr>
         <p:spPr>
           <a:xfrm>
-            <a:off x="1365438" y="5733985"/>
+            <a:off x="1357924" y="5642234"/>
             <a:ext cx="2523448" cy="553998"/>
           </a:xfrm>
           <a:prstGeom prst="rect">
@@ -6554,7 +6554,7 @@
         </p:nvSpPr>
         <p:spPr>
           <a:xfrm>
-            <a:off x="4113317" y="5733985"/>
+            <a:off x="3986034" y="5642234"/>
             <a:ext cx="2302233" cy="553998"/>
           </a:xfrm>
           <a:prstGeom prst="rect">
@@ -6574,7 +6574,7 @@
               </a:lnSpc>
             </a:pPr>
             <a:r>
-              <a:rPr lang="en-US" altLang="ko-KR" sz="1000" b="1" smtClean="0">
+              <a:rPr lang="en-US" altLang="ko-KR" sz="1000" b="1" dirty="0" smtClean="0">
                 <a:solidFill>
                   <a:srgbClr val="C00000"/>
                 </a:solidFill>
@@ -6582,14 +6582,14 @@
               <a:t>Entity = </a:t>
             </a:r>
             <a:r>
-              <a:rPr lang="ko-KR" altLang="en-US" sz="1000" b="1">
+              <a:rPr lang="ko-KR" altLang="en-US" sz="1000" b="1" dirty="0">
                 <a:solidFill>
                   <a:srgbClr val="C00000"/>
                 </a:solidFill>
               </a:rPr>
               <a:t>도메인 지식</a:t>
             </a:r>
-            <a:endParaRPr lang="en-US" altLang="ko-KR" sz="1000" b="1" smtClean="0">
+            <a:endParaRPr lang="en-US" altLang="ko-KR" sz="1000" b="1" dirty="0" smtClean="0">
               <a:solidFill>
                 <a:srgbClr val="C00000"/>
               </a:solidFill>
@@ -6602,7 +6602,7 @@
               </a:lnSpc>
             </a:pPr>
             <a:r>
-              <a:rPr lang="en-US" altLang="ko-KR" sz="1000" b="1" smtClean="0">
+              <a:rPr lang="en-US" altLang="ko-KR" sz="1000" b="1" dirty="0" smtClean="0">
                 <a:solidFill>
                   <a:srgbClr val="C00000"/>
                 </a:solidFill>
@@ -6610,7 +6610,7 @@
               <a:t>Map = </a:t>
             </a:r>
             <a:r>
-              <a:rPr lang="ko-KR" altLang="en-US" sz="1000" b="1">
+              <a:rPr lang="ko-KR" altLang="en-US" sz="1000" b="1" dirty="0">
                 <a:solidFill>
                   <a:srgbClr val="C00000"/>
                 </a:solidFill>
@@ -6618,7 +6618,7 @@
               <a:t>데이터베이스 </a:t>
             </a:r>
             <a:r>
-              <a:rPr lang="en-US" altLang="ko-KR" sz="1000" b="1">
+              <a:rPr lang="en-US" altLang="ko-KR" sz="1000" b="1" dirty="0">
                 <a:solidFill>
                   <a:srgbClr val="C00000"/>
                 </a:solidFill>
@@ -6626,7 +6626,7 @@
               <a:t>Mapping </a:t>
             </a:r>
             <a:r>
-              <a:rPr lang="ko-KR" altLang="en-US" sz="1000" b="1">
+              <a:rPr lang="ko-KR" altLang="en-US" sz="1000" b="1" dirty="0">
                 <a:solidFill>
                   <a:srgbClr val="C00000"/>
                 </a:solidFill>
@@ -6966,13 +6966,13 @@
       </p:pic>
       <p:sp>
         <p:nvSpPr>
-          <p:cNvPr id="76" name="타원 75"/>
+          <p:cNvPr id="77" name="타원 76"/>
           <p:cNvSpPr/>
           <p:nvPr/>
         </p:nvSpPr>
         <p:spPr>
           <a:xfrm>
-            <a:off x="6657046" y="4661312"/>
+            <a:off x="6885081" y="6182209"/>
             <a:ext cx="413239" cy="403407"/>
           </a:xfrm>
           <a:prstGeom prst="ellipse">
@@ -7010,7 +7010,7 @@
             <a:pPr algn="ctr"/>
             <a:r>
               <a:rPr lang="en-US" altLang="ko-KR" sz="1100" b="1" smtClean="0"/>
-              <a:t>1.</a:t>
+              <a:t>2.</a:t>
             </a:r>
             <a:endParaRPr lang="ko-KR" altLang="en-US" sz="1100" b="1"/>
           </a:p>
@@ -7018,13 +7018,13 @@
       </p:sp>
       <p:sp>
         <p:nvSpPr>
-          <p:cNvPr id="77" name="타원 76"/>
+          <p:cNvPr id="78" name="타원 77"/>
           <p:cNvSpPr/>
           <p:nvPr/>
         </p:nvSpPr>
         <p:spPr>
           <a:xfrm>
-            <a:off x="6657046" y="5893242"/>
+            <a:off x="9604127" y="4701355"/>
             <a:ext cx="413239" cy="403407"/>
           </a:xfrm>
           <a:prstGeom prst="ellipse">
@@ -7062,58 +7062,6 @@
             <a:pPr algn="ctr"/>
             <a:r>
               <a:rPr lang="en-US" altLang="ko-KR" sz="1100" b="1" smtClean="0"/>
-              <a:t>2.</a:t>
-            </a:r>
-            <a:endParaRPr lang="ko-KR" altLang="en-US" sz="1100" b="1"/>
-          </a:p>
-        </p:txBody>
-      </p:sp>
-      <p:sp>
-        <p:nvSpPr>
-          <p:cNvPr id="78" name="타원 77"/>
-          <p:cNvSpPr/>
-          <p:nvPr/>
-        </p:nvSpPr>
-        <p:spPr>
-          <a:xfrm>
-            <a:off x="9908927" y="4725828"/>
-            <a:ext cx="413239" cy="403407"/>
-          </a:xfrm>
-          <a:prstGeom prst="ellipse">
-            <a:avLst/>
-          </a:prstGeom>
-          <a:solidFill>
-            <a:srgbClr val="0070C0"/>
-          </a:solidFill>
-          <a:ln>
-            <a:solidFill>
-              <a:srgbClr val="00B0F0"/>
-            </a:solidFill>
-          </a:ln>
-        </p:spPr>
-        <p:style>
-          <a:lnRef idx="2">
-            <a:schemeClr val="accent1">
-              <a:shade val="50000"/>
-            </a:schemeClr>
-          </a:lnRef>
-          <a:fillRef idx="1">
-            <a:schemeClr val="accent1"/>
-          </a:fillRef>
-          <a:effectRef idx="0">
-            <a:schemeClr val="accent1"/>
-          </a:effectRef>
-          <a:fontRef idx="minor">
-            <a:schemeClr val="lt1"/>
-          </a:fontRef>
-        </p:style>
-        <p:txBody>
-          <a:bodyPr rtlCol="0" anchor="ctr"/>
-          <a:lstStyle/>
-          <a:p>
-            <a:pPr algn="ctr"/>
-            <a:r>
-              <a:rPr lang="en-US" altLang="ko-KR" sz="1100" b="1" smtClean="0"/>
               <a:t>3.</a:t>
             </a:r>
             <a:endParaRPr lang="ko-KR" altLang="en-US" sz="1100" b="1"/>
@@ -7128,7 +7076,7 @@
         </p:nvCxnSpPr>
         <p:spPr>
           <a:xfrm>
-            <a:off x="8301020" y="3527546"/>
+            <a:off x="8523433" y="3330926"/>
             <a:ext cx="843283" cy="0"/>
           </a:xfrm>
           <a:prstGeom prst="line">
@@ -7163,7 +7111,7 @@
         </p:nvCxnSpPr>
         <p:spPr>
           <a:xfrm>
-            <a:off x="8450191" y="2305392"/>
+            <a:off x="8672604" y="2108772"/>
             <a:ext cx="684735" cy="0"/>
           </a:xfrm>
           <a:prstGeom prst="line">
@@ -7173,6 +7121,404 @@
             <a:solidFill>
               <a:srgbClr val="0070C0"/>
             </a:solidFill>
+          </a:ln>
+        </p:spPr>
+        <p:style>
+          <a:lnRef idx="1">
+            <a:schemeClr val="accent1"/>
+          </a:lnRef>
+          <a:fillRef idx="0">
+            <a:schemeClr val="accent1"/>
+          </a:fillRef>
+          <a:effectRef idx="0">
+            <a:schemeClr val="accent1"/>
+          </a:effectRef>
+          <a:fontRef idx="minor">
+            <a:schemeClr val="tx1"/>
+          </a:fontRef>
+        </p:style>
+      </p:cxnSp>
+      <p:sp>
+        <p:nvSpPr>
+          <p:cNvPr id="2" name="TextBox 1"/>
+          <p:cNvSpPr txBox="1"/>
+          <p:nvPr/>
+        </p:nvSpPr>
+        <p:spPr>
+          <a:xfrm>
+            <a:off x="6575796" y="3771282"/>
+            <a:ext cx="2334293" cy="253916"/>
+          </a:xfrm>
+          <a:prstGeom prst="rect">
+            <a:avLst/>
+          </a:prstGeom>
+          <a:noFill/>
+        </p:spPr>
+        <p:txBody>
+          <a:bodyPr wrap="none" rtlCol="0">
+            <a:spAutoFit/>
+          </a:bodyPr>
+          <a:lstStyle/>
+          <a:p>
+            <a:r>
+              <a:rPr lang="en-US" altLang="ko-KR" sz="1050" dirty="0" smtClean="0">
+                <a:solidFill>
+                  <a:srgbClr val="0070C0"/>
+                </a:solidFill>
+              </a:rPr>
+              <a:t>“Unit of Work” </a:t>
+            </a:r>
+            <a:r>
+              <a:rPr lang="ko-KR" altLang="en-US" sz="1050" dirty="0" smtClean="0">
+                <a:solidFill>
+                  <a:srgbClr val="0070C0"/>
+                </a:solidFill>
+              </a:rPr>
+              <a:t>개념과 맞지 않는다</a:t>
+            </a:r>
+            <a:r>
+              <a:rPr lang="en-US" altLang="ko-KR" sz="1050" dirty="0" smtClean="0">
+                <a:solidFill>
+                  <a:srgbClr val="0070C0"/>
+                </a:solidFill>
+              </a:rPr>
+              <a:t>.</a:t>
+            </a:r>
+            <a:endParaRPr lang="ko-KR" altLang="en-US" sz="1050" dirty="0">
+              <a:solidFill>
+                <a:srgbClr val="0070C0"/>
+              </a:solidFill>
+            </a:endParaRPr>
+          </a:p>
+        </p:txBody>
+      </p:sp>
+      <p:sp>
+        <p:nvSpPr>
+          <p:cNvPr id="76" name="타원 75"/>
+          <p:cNvSpPr/>
+          <p:nvPr/>
+        </p:nvSpPr>
+        <p:spPr>
+          <a:xfrm>
+            <a:off x="7011195" y="4628601"/>
+            <a:ext cx="413239" cy="403407"/>
+          </a:xfrm>
+          <a:prstGeom prst="ellipse">
+            <a:avLst/>
+          </a:prstGeom>
+          <a:solidFill>
+            <a:srgbClr val="0070C0"/>
+          </a:solidFill>
+          <a:ln>
+            <a:solidFill>
+              <a:srgbClr val="00B0F0"/>
+            </a:solidFill>
+          </a:ln>
+        </p:spPr>
+        <p:style>
+          <a:lnRef idx="2">
+            <a:schemeClr val="accent1">
+              <a:shade val="50000"/>
+            </a:schemeClr>
+          </a:lnRef>
+          <a:fillRef idx="1">
+            <a:schemeClr val="accent1"/>
+          </a:fillRef>
+          <a:effectRef idx="0">
+            <a:schemeClr val="accent1"/>
+          </a:effectRef>
+          <a:fontRef idx="minor">
+            <a:schemeClr val="lt1"/>
+          </a:fontRef>
+        </p:style>
+        <p:txBody>
+          <a:bodyPr rtlCol="0" anchor="ctr"/>
+          <a:lstStyle/>
+          <a:p>
+            <a:pPr algn="ctr"/>
+            <a:r>
+              <a:rPr lang="en-US" altLang="ko-KR" sz="1100" b="1" smtClean="0"/>
+              <a:t>1.</a:t>
+            </a:r>
+            <a:endParaRPr lang="ko-KR" altLang="en-US" sz="1100" b="1"/>
+          </a:p>
+        </p:txBody>
+      </p:sp>
+      <p:sp>
+        <p:nvSpPr>
+          <p:cNvPr id="3" name="직사각형 2"/>
+          <p:cNvSpPr/>
+          <p:nvPr/>
+        </p:nvSpPr>
+        <p:spPr>
+          <a:xfrm>
+            <a:off x="6030465" y="4706167"/>
+            <a:ext cx="1093761" cy="248275"/>
+          </a:xfrm>
+          <a:prstGeom prst="rect">
+            <a:avLst/>
+          </a:prstGeom>
+          <a:solidFill>
+            <a:srgbClr val="0070C0"/>
+          </a:solidFill>
+          <a:ln>
+            <a:solidFill>
+              <a:srgbClr val="0070C0"/>
+            </a:solidFill>
+          </a:ln>
+        </p:spPr>
+        <p:style>
+          <a:lnRef idx="2">
+            <a:schemeClr val="accent1">
+              <a:shade val="50000"/>
+            </a:schemeClr>
+          </a:lnRef>
+          <a:fillRef idx="1">
+            <a:schemeClr val="accent1"/>
+          </a:fillRef>
+          <a:effectRef idx="0">
+            <a:schemeClr val="accent1"/>
+          </a:effectRef>
+          <a:fontRef idx="minor">
+            <a:schemeClr val="lt1"/>
+          </a:fontRef>
+        </p:style>
+        <p:txBody>
+          <a:bodyPr rtlCol="0" anchor="ctr"/>
+          <a:lstStyle/>
+          <a:p>
+            <a:pPr algn="ctr"/>
+            <a:r>
+              <a:rPr lang="en-US" altLang="ko-KR" sz="1000" dirty="0" smtClean="0"/>
+              <a:t>DB Id </a:t>
+            </a:r>
+            <a:r>
+              <a:rPr lang="ko-KR" altLang="en-US" sz="1000" dirty="0" smtClean="0"/>
+              <a:t>사용</a:t>
+            </a:r>
+            <a:endParaRPr lang="ko-KR" altLang="en-US" sz="1000" dirty="0"/>
+          </a:p>
+        </p:txBody>
+      </p:sp>
+      <p:sp>
+        <p:nvSpPr>
+          <p:cNvPr id="54" name="직사각형 53"/>
+          <p:cNvSpPr/>
+          <p:nvPr/>
+        </p:nvSpPr>
+        <p:spPr>
+          <a:xfrm>
+            <a:off x="5889984" y="6259775"/>
+            <a:ext cx="1093761" cy="248275"/>
+          </a:xfrm>
+          <a:prstGeom prst="rect">
+            <a:avLst/>
+          </a:prstGeom>
+          <a:solidFill>
+            <a:srgbClr val="0070C0"/>
+          </a:solidFill>
+          <a:ln>
+            <a:solidFill>
+              <a:srgbClr val="0070C0"/>
+            </a:solidFill>
+          </a:ln>
+        </p:spPr>
+        <p:style>
+          <a:lnRef idx="2">
+            <a:schemeClr val="accent1">
+              <a:shade val="50000"/>
+            </a:schemeClr>
+          </a:lnRef>
+          <a:fillRef idx="1">
+            <a:schemeClr val="accent1"/>
+          </a:fillRef>
+          <a:effectRef idx="0">
+            <a:schemeClr val="accent1"/>
+          </a:effectRef>
+          <a:fontRef idx="minor">
+            <a:schemeClr val="lt1"/>
+          </a:fontRef>
+        </p:style>
+        <p:txBody>
+          <a:bodyPr rtlCol="0" anchor="ctr"/>
+          <a:lstStyle/>
+          <a:p>
+            <a:pPr algn="ctr"/>
+            <a:r>
+              <a:rPr lang="en-US" altLang="ko-KR" sz="1000" dirty="0" smtClean="0"/>
+              <a:t>GUID </a:t>
+            </a:r>
+            <a:r>
+              <a:rPr lang="ko-KR" altLang="en-US" sz="1000" dirty="0" smtClean="0"/>
+              <a:t>사용</a:t>
+            </a:r>
+            <a:endParaRPr lang="ko-KR" altLang="en-US" sz="1000" dirty="0"/>
+          </a:p>
+        </p:txBody>
+      </p:sp>
+      <p:sp>
+        <p:nvSpPr>
+          <p:cNvPr id="64" name="직사각형 63"/>
+          <p:cNvSpPr/>
+          <p:nvPr/>
+        </p:nvSpPr>
+        <p:spPr>
+          <a:xfrm>
+            <a:off x="9964111" y="4778921"/>
+            <a:ext cx="1705621" cy="248275"/>
+          </a:xfrm>
+          <a:prstGeom prst="rect">
+            <a:avLst/>
+          </a:prstGeom>
+          <a:solidFill>
+            <a:srgbClr val="0070C0"/>
+          </a:solidFill>
+          <a:ln>
+            <a:solidFill>
+              <a:srgbClr val="0070C0"/>
+            </a:solidFill>
+          </a:ln>
+        </p:spPr>
+        <p:style>
+          <a:lnRef idx="2">
+            <a:schemeClr val="accent1">
+              <a:shade val="50000"/>
+            </a:schemeClr>
+          </a:lnRef>
+          <a:fillRef idx="1">
+            <a:schemeClr val="accent1"/>
+          </a:fillRef>
+          <a:effectRef idx="0">
+            <a:schemeClr val="accent1"/>
+          </a:effectRef>
+          <a:fontRef idx="minor">
+            <a:schemeClr val="lt1"/>
+          </a:fontRef>
+        </p:style>
+        <p:txBody>
+          <a:bodyPr rtlCol="0" anchor="ctr"/>
+          <a:lstStyle/>
+          <a:p>
+            <a:pPr algn="ctr"/>
+            <a:r>
+              <a:rPr lang="en-US" altLang="ko-KR" sz="1000" dirty="0" smtClean="0"/>
+              <a:t>Hi/Lo </a:t>
+            </a:r>
+            <a:r>
+              <a:rPr lang="ko-KR" altLang="en-US" sz="1000" dirty="0" smtClean="0"/>
+              <a:t>알고리즘</a:t>
+            </a:r>
+            <a:r>
+              <a:rPr lang="en-US" altLang="ko-KR" sz="1000" dirty="0" smtClean="0"/>
+              <a:t> </a:t>
+            </a:r>
+            <a:r>
+              <a:rPr lang="ko-KR" altLang="en-US" sz="1000" dirty="0" smtClean="0"/>
+              <a:t>사용</a:t>
+            </a:r>
+            <a:endParaRPr lang="ko-KR" altLang="en-US" sz="1000" dirty="0"/>
+          </a:p>
+        </p:txBody>
+      </p:sp>
+      <p:cxnSp>
+        <p:nvCxnSpPr>
+          <p:cNvPr id="11" name="꺾인 연결선 10"/>
+          <p:cNvCxnSpPr>
+            <a:endCxn id="2" idx="1"/>
+          </p:cNvCxnSpPr>
+          <p:nvPr/>
+        </p:nvCxnSpPr>
+        <p:spPr>
+          <a:xfrm rot="5400000" flipH="1" flipV="1">
+            <a:off x="6043556" y="4152615"/>
+            <a:ext cx="786615" cy="277866"/>
+          </a:xfrm>
+          <a:prstGeom prst="bentConnector2">
+            <a:avLst/>
+          </a:prstGeom>
+          <a:ln>
+            <a:tailEnd type="triangle"/>
+          </a:ln>
+        </p:spPr>
+        <p:style>
+          <a:lnRef idx="1">
+            <a:schemeClr val="accent1"/>
+          </a:lnRef>
+          <a:fillRef idx="0">
+            <a:schemeClr val="accent1"/>
+          </a:fillRef>
+          <a:effectRef idx="0">
+            <a:schemeClr val="accent1"/>
+          </a:effectRef>
+          <a:fontRef idx="minor">
+            <a:schemeClr val="tx1"/>
+          </a:fontRef>
+        </p:style>
+      </p:cxnSp>
+      <p:sp>
+        <p:nvSpPr>
+          <p:cNvPr id="12" name="TextBox 11"/>
+          <p:cNvSpPr txBox="1"/>
+          <p:nvPr/>
+        </p:nvSpPr>
+        <p:spPr>
+          <a:xfrm>
+            <a:off x="10097129" y="4292131"/>
+            <a:ext cx="2020105" cy="276999"/>
+          </a:xfrm>
+          <a:prstGeom prst="rect">
+            <a:avLst/>
+          </a:prstGeom>
+          <a:noFill/>
+        </p:spPr>
+        <p:txBody>
+          <a:bodyPr wrap="none" rtlCol="0">
+            <a:spAutoFit/>
+          </a:bodyPr>
+          <a:lstStyle/>
+          <a:p>
+            <a:r>
+              <a:rPr lang="ko-KR" altLang="en-US" sz="1200" dirty="0" smtClean="0">
+                <a:solidFill>
+                  <a:srgbClr val="0070C0"/>
+                </a:solidFill>
+              </a:rPr>
+              <a:t>별도의 테이블이 필요하다</a:t>
+            </a:r>
+            <a:r>
+              <a:rPr lang="en-US" altLang="ko-KR" sz="1200" dirty="0" smtClean="0">
+                <a:solidFill>
+                  <a:srgbClr val="0070C0"/>
+                </a:solidFill>
+              </a:rPr>
+              <a:t>.</a:t>
+            </a:r>
+            <a:endParaRPr lang="ko-KR" altLang="en-US" sz="1200" dirty="0">
+              <a:solidFill>
+                <a:srgbClr val="0070C0"/>
+              </a:solidFill>
+            </a:endParaRPr>
+          </a:p>
+        </p:txBody>
+      </p:sp>
+      <p:cxnSp>
+        <p:nvCxnSpPr>
+          <p:cNvPr id="16" name="직선 화살표 연결선 15"/>
+          <p:cNvCxnSpPr>
+            <a:stCxn id="64" idx="0"/>
+          </p:cNvCxnSpPr>
+          <p:nvPr/>
+        </p:nvCxnSpPr>
+        <p:spPr>
+          <a:xfrm flipH="1" flipV="1">
+            <a:off x="10816921" y="4540567"/>
+            <a:ext cx="1" cy="238354"/>
+          </a:xfrm>
+          <a:prstGeom prst="straightConnector1">
+            <a:avLst/>
+          </a:prstGeom>
+          <a:ln>
+            <a:tailEnd type="triangle"/>
           </a:ln>
         </p:spPr>
         <p:style>
